--- a/Track_Me Documents/EUB-APGT.pptx
+++ b/Track_Me Documents/EUB-APGT.pptx
@@ -943,37 +943,12 @@
         <a:p>
           <a:pPr algn="l"/>
           <a:r>
-            <a:rPr lang="en-US" sz="1800" dirty="0">
+            <a:rPr lang="en-US" sz="1800" b="0" dirty="0">
               <a:latin typeface="Times New Roman" panose="02020603050405020304" pitchFamily="18" charset="0"/>
               <a:cs typeface="Times New Roman" panose="02020603050405020304" pitchFamily="18" charset="0"/>
             </a:rPr>
-            <a:t>Md. </a:t>
+            <a:t>Sourav Kundu </a:t>
           </a:r>
-          <a:r>
-            <a:rPr lang="en-US" sz="1800" dirty="0" err="1">
-              <a:latin typeface="Times New Roman" panose="02020603050405020304" pitchFamily="18" charset="0"/>
-              <a:cs typeface="Times New Roman" panose="02020603050405020304" pitchFamily="18" charset="0"/>
-            </a:rPr>
-            <a:t>Rafsan</a:t>
-          </a:r>
-          <a:r>
-            <a:rPr lang="en-US" sz="1800" dirty="0">
-              <a:latin typeface="Times New Roman" panose="02020603050405020304" pitchFamily="18" charset="0"/>
-              <a:cs typeface="Times New Roman" panose="02020603050405020304" pitchFamily="18" charset="0"/>
-            </a:rPr>
-            <a:t> </a:t>
-          </a:r>
-          <a:r>
-            <a:rPr lang="en-US" sz="1800" dirty="0" err="1">
-              <a:latin typeface="Times New Roman" panose="02020603050405020304" pitchFamily="18" charset="0"/>
-              <a:cs typeface="Times New Roman" panose="02020603050405020304" pitchFamily="18" charset="0"/>
-            </a:rPr>
-            <a:t>Jaany</a:t>
-          </a:r>
-          <a:endParaRPr lang="en-US" sz="1800" dirty="0">
-            <a:latin typeface="Times New Roman" panose="02020603050405020304" pitchFamily="18" charset="0"/>
-            <a:cs typeface="Times New Roman" panose="02020603050405020304" pitchFamily="18" charset="0"/>
-          </a:endParaRPr>
         </a:p>
       </dgm:t>
     </dgm:pt>
@@ -1067,22 +1042,35 @@
         <a:bodyPr/>
         <a:lstStyle/>
         <a:p>
-          <a:pPr algn="l"/>
+          <a:pPr algn="l">
+            <a:buFont typeface="Arial" panose="020B0604020202020204" pitchFamily="34" charset="0"/>
+            <a:buChar char="•"/>
+          </a:pPr>
           <a:r>
-            <a:rPr lang="en-US" sz="2000" dirty="0">
+            <a:rPr lang="en-US" sz="2200" b="0" dirty="0" err="1">
               <a:latin typeface="Times New Roman" panose="02020603050405020304" pitchFamily="18" charset="0"/>
               <a:cs typeface="Times New Roman" panose="02020603050405020304" pitchFamily="18" charset="0"/>
             </a:rPr>
-            <a:t>Jasmin </a:t>
+            <a:t>Shraboni</a:t>
           </a:r>
           <a:r>
-            <a:rPr lang="en-US" sz="2000" dirty="0" err="1">
+            <a:rPr lang="en-US" sz="2200" b="0" dirty="0">
               <a:latin typeface="Times New Roman" panose="02020603050405020304" pitchFamily="18" charset="0"/>
               <a:cs typeface="Times New Roman" panose="02020603050405020304" pitchFamily="18" charset="0"/>
             </a:rPr>
-            <a:t>Akter</a:t>
+            <a:t> </a:t>
           </a:r>
-          <a:endParaRPr lang="en-US" sz="2000" dirty="0"/>
+          <a:r>
+            <a:rPr lang="en-US" sz="2200" b="0" dirty="0" err="1">
+              <a:latin typeface="Times New Roman" panose="02020603050405020304" pitchFamily="18" charset="0"/>
+              <a:cs typeface="Times New Roman" panose="02020603050405020304" pitchFamily="18" charset="0"/>
+            </a:rPr>
+            <a:t>Afroz</a:t>
+          </a:r>
+          <a:endParaRPr lang="en-US" sz="2200" b="0" dirty="0">
+            <a:latin typeface="Times New Roman" panose="02020603050405020304" pitchFamily="18" charset="0"/>
+            <a:cs typeface="Times New Roman" panose="02020603050405020304" pitchFamily="18" charset="0"/>
+          </a:endParaRPr>
         </a:p>
       </dgm:t>
     </dgm:pt>
@@ -1117,11 +1105,11 @@
         <a:p>
           <a:pPr algn="l"/>
           <a:r>
-            <a:rPr lang="en-US" sz="1800" dirty="0">
+            <a:rPr lang="en-US" sz="1800" b="0" dirty="0">
               <a:latin typeface="Times New Roman" panose="02020603050405020304" pitchFamily="18" charset="0"/>
               <a:cs typeface="Times New Roman" panose="02020603050405020304" pitchFamily="18" charset="0"/>
             </a:rPr>
-            <a:t>Md. Raihan Ali</a:t>
+            <a:t>Farid Hossain</a:t>
           </a:r>
         </a:p>
       </dgm:t>
@@ -1157,37 +1145,12 @@
         <a:p>
           <a:pPr algn="l"/>
           <a:r>
-            <a:rPr lang="en-US" sz="1800" dirty="0">
+            <a:rPr lang="en-US" sz="1800" b="0" dirty="0">
               <a:latin typeface="Times New Roman" panose="02020603050405020304" pitchFamily="18" charset="0"/>
               <a:cs typeface="Times New Roman" panose="02020603050405020304" pitchFamily="18" charset="0"/>
             </a:rPr>
-            <a:t>Md. </a:t>
+            <a:t>Md Abid Hasan</a:t>
           </a:r>
-          <a:r>
-            <a:rPr lang="en-US" sz="1800" dirty="0" err="1">
-              <a:latin typeface="Times New Roman" panose="02020603050405020304" pitchFamily="18" charset="0"/>
-              <a:cs typeface="Times New Roman" panose="02020603050405020304" pitchFamily="18" charset="0"/>
-            </a:rPr>
-            <a:t>Razib</a:t>
-          </a:r>
-          <a:r>
-            <a:rPr lang="en-US" sz="1800" dirty="0">
-              <a:latin typeface="Times New Roman" panose="02020603050405020304" pitchFamily="18" charset="0"/>
-              <a:cs typeface="Times New Roman" panose="02020603050405020304" pitchFamily="18" charset="0"/>
-            </a:rPr>
-            <a:t> </a:t>
-          </a:r>
-          <a:r>
-            <a:rPr lang="en-US" sz="1800" dirty="0" err="1">
-              <a:latin typeface="Times New Roman" panose="02020603050405020304" pitchFamily="18" charset="0"/>
-              <a:cs typeface="Times New Roman" panose="02020603050405020304" pitchFamily="18" charset="0"/>
-            </a:rPr>
-            <a:t>Mondol</a:t>
-          </a:r>
-          <a:endParaRPr lang="en-US" sz="1800" dirty="0">
-            <a:latin typeface="Times New Roman" panose="02020603050405020304" pitchFamily="18" charset="0"/>
-            <a:cs typeface="Times New Roman" panose="02020603050405020304" pitchFamily="18" charset="0"/>
-          </a:endParaRPr>
         </a:p>
       </dgm:t>
     </dgm:pt>
@@ -1213,43 +1176,6 @@
         </a:p>
       </dgm:t>
     </dgm:pt>
-    <dgm:pt modelId="{88F35828-FD62-4D07-8681-A24D3BFEAA9E}">
-      <dgm:prSet custT="1"/>
-      <dgm:spPr/>
-      <dgm:t>
-        <a:bodyPr/>
-        <a:lstStyle/>
-        <a:p>
-          <a:pPr algn="l"/>
-          <a:endParaRPr lang="en-US" sz="2400" dirty="0">
-            <a:latin typeface="Times New Roman" panose="02020603050405020304" pitchFamily="18" charset="0"/>
-            <a:cs typeface="Times New Roman" panose="02020603050405020304" pitchFamily="18" charset="0"/>
-          </a:endParaRPr>
-        </a:p>
-      </dgm:t>
-    </dgm:pt>
-    <dgm:pt modelId="{2B822332-7DA9-4C03-ACF9-40865D4B4DDD}" type="parTrans" cxnId="{EB3FAB8D-F124-4AA3-9419-02BB4E1FABC2}">
-      <dgm:prSet/>
-      <dgm:spPr/>
-      <dgm:t>
-        <a:bodyPr/>
-        <a:lstStyle/>
-        <a:p>
-          <a:endParaRPr lang="en-US"/>
-        </a:p>
-      </dgm:t>
-    </dgm:pt>
-    <dgm:pt modelId="{4A2B2C24-FBEC-4CD2-9570-BA93097F60DD}" type="sibTrans" cxnId="{EB3FAB8D-F124-4AA3-9419-02BB4E1FABC2}">
-      <dgm:prSet/>
-      <dgm:spPr/>
-      <dgm:t>
-        <a:bodyPr/>
-        <a:lstStyle/>
-        <a:p>
-          <a:endParaRPr lang="en-US"/>
-        </a:p>
-      </dgm:t>
-    </dgm:pt>
     <dgm:pt modelId="{5730102F-0BBC-43E5-909D-DF2E6EDB157F}">
       <dgm:prSet phldrT="[Text]" custT="1"/>
       <dgm:spPr/>
@@ -1259,11 +1185,11 @@
         <a:p>
           <a:pPr algn="l"/>
           <a:r>
-            <a:rPr lang="en-US" sz="1800" dirty="0">
+            <a:rPr lang="en-US" sz="1800" b="0" dirty="0">
               <a:latin typeface="Times New Roman" panose="02020603050405020304" pitchFamily="18" charset="0"/>
               <a:cs typeface="Times New Roman" panose="02020603050405020304" pitchFamily="18" charset="0"/>
             </a:rPr>
-            <a:t>Id: 180222018</a:t>
+            <a:t>Id: 180222042</a:t>
           </a:r>
         </a:p>
       </dgm:t>
@@ -1299,11 +1225,11 @@
         <a:p>
           <a:pPr algn="l"/>
           <a:r>
-            <a:rPr lang="en-US" sz="1800" dirty="0">
+            <a:rPr lang="en-US" sz="1800" b="0" dirty="0">
               <a:latin typeface="Times New Roman" panose="02020603050405020304" pitchFamily="18" charset="0"/>
               <a:cs typeface="Times New Roman" panose="02020603050405020304" pitchFamily="18" charset="0"/>
             </a:rPr>
-            <a:t>Id: 180222024</a:t>
+            <a:t>Id: 180222047</a:t>
           </a:r>
         </a:p>
       </dgm:t>
@@ -1339,18 +1265,18 @@
         <a:p>
           <a:pPr algn="l"/>
           <a:r>
-            <a:rPr lang="sv-SE" sz="1800" dirty="0">
+            <a:rPr lang="sv-SE" sz="1800" b="0" dirty="0">
               <a:latin typeface="Times New Roman" panose="02020603050405020304" pitchFamily="18" charset="0"/>
               <a:cs typeface="Times New Roman" panose="02020603050405020304" pitchFamily="18" charset="0"/>
             </a:rPr>
             <a:t>Id: </a:t>
           </a:r>
           <a:r>
-            <a:rPr lang="en-US" sz="1800" dirty="0">
+            <a:rPr lang="en-US" sz="1800" b="0" dirty="0">
               <a:latin typeface="Times New Roman" panose="02020603050405020304" pitchFamily="18" charset="0"/>
               <a:cs typeface="Times New Roman" panose="02020603050405020304" pitchFamily="18" charset="0"/>
             </a:rPr>
-            <a:t>180222025</a:t>
+            <a:t>180222048</a:t>
           </a:r>
         </a:p>
       </dgm:t>
@@ -1385,7 +1311,7 @@
         <a:lstStyle/>
         <a:p>
           <a:pPr algn="l"/>
-          <a:endParaRPr lang="en-US" sz="1800" dirty="0">
+          <a:endParaRPr lang="en-US" sz="1800" b="0" dirty="0">
             <a:latin typeface="Times New Roman" panose="02020603050405020304" pitchFamily="18" charset="0"/>
             <a:cs typeface="Times New Roman" panose="02020603050405020304" pitchFamily="18" charset="0"/>
           </a:endParaRPr>
@@ -1422,7 +1348,7 @@
         <a:lstStyle/>
         <a:p>
           <a:pPr algn="l"/>
-          <a:endParaRPr lang="en-US" sz="1800" dirty="0">
+          <a:endParaRPr lang="en-US" sz="1800" b="0" dirty="0">
             <a:latin typeface="Times New Roman" panose="02020603050405020304" pitchFamily="18" charset="0"/>
             <a:cs typeface="Times New Roman" panose="02020603050405020304" pitchFamily="18" charset="0"/>
           </a:endParaRPr>
@@ -1497,16 +1423,12 @@
         <a:p>
           <a:pPr algn="l"/>
           <a:r>
-            <a:rPr lang="en-US" sz="2000">
+            <a:rPr lang="en-US" sz="2000" dirty="0">
               <a:latin typeface="Times New Roman" panose="02020603050405020304" pitchFamily="18" charset="0"/>
               <a:cs typeface="Times New Roman" panose="02020603050405020304" pitchFamily="18" charset="0"/>
             </a:rPr>
-            <a:t>Lecturer, Dept. of CSE, </a:t>
+            <a:t>Sr. Lecturer, Dept. of CSE, </a:t>
           </a:r>
-          <a:endParaRPr lang="en-US" sz="2000" dirty="0">
-            <a:latin typeface="Times New Roman" panose="02020603050405020304" pitchFamily="18" charset="0"/>
-            <a:cs typeface="Times New Roman" panose="02020603050405020304" pitchFamily="18" charset="0"/>
-          </a:endParaRPr>
         </a:p>
       </dgm:t>
     </dgm:pt>
@@ -1647,14 +1569,12 @@
     <dgm:cxn modelId="{4885F475-1DC8-4579-AF03-4384E442EE94}" type="presOf" srcId="{CC0F0841-7BE6-4649-8305-BC65A6D5D6D9}" destId="{F010203A-3D2C-4501-B908-A7D315AA6352}" srcOrd="0" destOrd="7" presId="urn:microsoft.com/office/officeart/2005/8/layout/hList1"/>
     <dgm:cxn modelId="{E0F69685-9491-472C-B515-6945F9730C2F}" type="presOf" srcId="{DC9A5729-B542-4A29-86A7-D8D8594D7B2C}" destId="{6E2DFB1C-D49A-425F-8D7F-C40C1461FCCD}" srcOrd="0" destOrd="0" presId="urn:microsoft.com/office/officeart/2005/8/layout/hList1"/>
     <dgm:cxn modelId="{A15E1F87-3C6C-41FD-99AE-6206760DF769}" type="presOf" srcId="{21033C75-EFCE-4CE6-9BC6-DA626A22FDBD}" destId="{F010203A-3D2C-4501-B908-A7D315AA6352}" srcOrd="0" destOrd="2" presId="urn:microsoft.com/office/officeart/2005/8/layout/hList1"/>
-    <dgm:cxn modelId="{EB3FAB8D-F124-4AA3-9419-02BB4E1FABC2}" srcId="{FA5239E8-1746-4234-B7D3-CE26C52216D2}" destId="{88F35828-FD62-4D07-8681-A24D3BFEAA9E}" srcOrd="8" destOrd="0" parTransId="{2B822332-7DA9-4C03-ACF9-40865D4B4DDD}" sibTransId="{4A2B2C24-FBEC-4CD2-9570-BA93097F60DD}"/>
     <dgm:cxn modelId="{0E72128E-6500-4AA1-AD5A-1DA222DCE513}" srcId="{FA5239E8-1746-4234-B7D3-CE26C52216D2}" destId="{D8E912BE-ABB5-4653-A48D-89CC9E4731A0}" srcOrd="6" destOrd="0" parTransId="{468B25F8-D4D7-4DA4-9068-A2EDCC987A48}" sibTransId="{D82BEE0F-C7C4-4F1F-A55F-D0B10E9ABA39}"/>
     <dgm:cxn modelId="{98838890-8E55-414B-B3C5-217B51F85D4C}" srcId="{FA5239E8-1746-4234-B7D3-CE26C52216D2}" destId="{1634271E-DC84-4D34-9E2B-DA1A2FCA5F17}" srcOrd="5" destOrd="0" parTransId="{D2BA16E6-B3DA-435E-A2D4-095170F035BF}" sibTransId="{6FB8B6C1-3A94-4102-897A-9880E5D02603}"/>
     <dgm:cxn modelId="{DCB51C97-4DBE-47A7-BF57-83CC628EAE5B}" type="presOf" srcId="{5730102F-0BBC-43E5-909D-DF2E6EDB157F}" destId="{F010203A-3D2C-4501-B908-A7D315AA6352}" srcOrd="0" destOrd="1" presId="urn:microsoft.com/office/officeart/2005/8/layout/hList1"/>
     <dgm:cxn modelId="{81E9EAA2-214C-45B1-B5DD-3D335B4C82E9}" type="presOf" srcId="{1634271E-DC84-4D34-9E2B-DA1A2FCA5F17}" destId="{F010203A-3D2C-4501-B908-A7D315AA6352}" srcOrd="0" destOrd="5" presId="urn:microsoft.com/office/officeart/2005/8/layout/hList1"/>
     <dgm:cxn modelId="{124FDDA3-120B-4706-A85A-1485A3037692}" srcId="{FA5239E8-1746-4234-B7D3-CE26C52216D2}" destId="{CC0F0841-7BE6-4649-8305-BC65A6D5D6D9}" srcOrd="7" destOrd="0" parTransId="{E09289E6-861B-4A7F-AADB-F03A75725F74}" sibTransId="{5D7DE968-A8A4-4BC7-9FC6-76EFC4C1BC0E}"/>
     <dgm:cxn modelId="{981BA8A7-5857-4D61-B853-84A695A56F22}" type="presOf" srcId="{4AF5C276-E029-4F48-AC9C-069485D9F4EE}" destId="{E3289EDF-1F8A-4891-B033-0881652D0C35}" srcOrd="0" destOrd="1" presId="urn:microsoft.com/office/officeart/2005/8/layout/hList1"/>
-    <dgm:cxn modelId="{4348FCAC-B9EA-4E0D-8EBD-6183426BB49A}" type="presOf" srcId="{88F35828-FD62-4D07-8681-A24D3BFEAA9E}" destId="{F010203A-3D2C-4501-B908-A7D315AA6352}" srcOrd="0" destOrd="8" presId="urn:microsoft.com/office/officeart/2005/8/layout/hList1"/>
     <dgm:cxn modelId="{42AB58AF-50BF-49A5-AB13-F16973B97878}" srcId="{DC9A5729-B542-4A29-86A7-D8D8594D7B2C}" destId="{FA5239E8-1746-4234-B7D3-CE26C52216D2}" srcOrd="0" destOrd="0" parTransId="{239399AE-2E50-427C-BE33-904FC944451D}" sibTransId="{71ECD531-EE26-451B-AF4B-A3545608DE6E}"/>
     <dgm:cxn modelId="{7360D3C8-A2F2-40AF-AF18-0C9318B62778}" type="presOf" srcId="{D8E912BE-ABB5-4653-A48D-89CC9E4731A0}" destId="{F010203A-3D2C-4501-B908-A7D315AA6352}" srcOrd="0" destOrd="6" presId="urn:microsoft.com/office/officeart/2005/8/layout/hList1"/>
     <dgm:cxn modelId="{A920CFE7-A31F-4898-9205-ECE2FECC020C}" type="presOf" srcId="{EF476997-BFC1-4EC4-9460-72A223FC83D9}" destId="{F010203A-3D2C-4501-B908-A7D315AA6352}" srcOrd="0" destOrd="3" presId="urn:microsoft.com/office/officeart/2005/8/layout/hList1"/>
@@ -1838,34 +1758,48 @@
             <a:buChar char="•"/>
           </a:pPr>
           <a:r>
-            <a:rPr lang="en-US" sz="1800" kern="1200" dirty="0">
+            <a:rPr lang="en-US" sz="1800" b="0" kern="1200" dirty="0">
               <a:latin typeface="Times New Roman" panose="02020603050405020304" pitchFamily="18" charset="0"/>
               <a:cs typeface="Times New Roman" panose="02020603050405020304" pitchFamily="18" charset="0"/>
             </a:rPr>
-            <a:t>Md. </a:t>
+            <a:t>Sourav Kundu </a:t>
           </a:r>
+        </a:p>
+        <a:p>
+          <a:pPr marL="171450" lvl="1" indent="-171450" algn="l" defTabSz="800100">
+            <a:lnSpc>
+              <a:spcPct val="90000"/>
+            </a:lnSpc>
+            <a:spcBef>
+              <a:spcPct val="0"/>
+            </a:spcBef>
+            <a:spcAft>
+              <a:spcPct val="15000"/>
+            </a:spcAft>
+            <a:buChar char="•"/>
+          </a:pPr>
           <a:r>
-            <a:rPr lang="en-US" sz="1800" kern="1200" dirty="0" err="1">
+            <a:rPr lang="en-US" sz="1800" b="0" kern="1200" dirty="0">
               <a:latin typeface="Times New Roman" panose="02020603050405020304" pitchFamily="18" charset="0"/>
               <a:cs typeface="Times New Roman" panose="02020603050405020304" pitchFamily="18" charset="0"/>
             </a:rPr>
-            <a:t>Rafsan</a:t>
+            <a:t>Id: 180222042</a:t>
           </a:r>
-          <a:r>
-            <a:rPr lang="en-US" sz="1800" kern="1200" dirty="0">
-              <a:latin typeface="Times New Roman" panose="02020603050405020304" pitchFamily="18" charset="0"/>
-              <a:cs typeface="Times New Roman" panose="02020603050405020304" pitchFamily="18" charset="0"/>
-            </a:rPr>
-            <a:t> </a:t>
-          </a:r>
-          <a:r>
-            <a:rPr lang="en-US" sz="1800" kern="1200" dirty="0" err="1">
-              <a:latin typeface="Times New Roman" panose="02020603050405020304" pitchFamily="18" charset="0"/>
-              <a:cs typeface="Times New Roman" panose="02020603050405020304" pitchFamily="18" charset="0"/>
-            </a:rPr>
-            <a:t>Jaany</a:t>
-          </a:r>
-          <a:endParaRPr lang="en-US" sz="1800" kern="1200" dirty="0">
+        </a:p>
+        <a:p>
+          <a:pPr marL="171450" lvl="1" indent="-171450" algn="l" defTabSz="800100">
+            <a:lnSpc>
+              <a:spcPct val="90000"/>
+            </a:lnSpc>
+            <a:spcBef>
+              <a:spcPct val="0"/>
+            </a:spcBef>
+            <a:spcAft>
+              <a:spcPct val="15000"/>
+            </a:spcAft>
+            <a:buChar char="•"/>
+          </a:pPr>
+          <a:endParaRPr lang="en-US" sz="1800" b="0" kern="1200" dirty="0">
             <a:latin typeface="Times New Roman" panose="02020603050405020304" pitchFamily="18" charset="0"/>
             <a:cs typeface="Times New Roman" panose="02020603050405020304" pitchFamily="18" charset="0"/>
           </a:endParaRPr>
@@ -1884,11 +1818,11 @@
             <a:buChar char="•"/>
           </a:pPr>
           <a:r>
-            <a:rPr lang="en-US" sz="1800" kern="1200" dirty="0">
+            <a:rPr lang="en-US" sz="1800" b="0" kern="1200" dirty="0">
               <a:latin typeface="Times New Roman" panose="02020603050405020304" pitchFamily="18" charset="0"/>
               <a:cs typeface="Times New Roman" panose="02020603050405020304" pitchFamily="18" charset="0"/>
             </a:rPr>
-            <a:t>Id: 180222018</a:t>
+            <a:t>Farid Hossain</a:t>
           </a:r>
         </a:p>
         <a:p>
@@ -1904,7 +1838,28 @@
             </a:spcAft>
             <a:buChar char="•"/>
           </a:pPr>
-          <a:endParaRPr lang="en-US" sz="1800" kern="1200" dirty="0">
+          <a:r>
+            <a:rPr lang="en-US" sz="1800" b="0" kern="1200" dirty="0">
+              <a:latin typeface="Times New Roman" panose="02020603050405020304" pitchFamily="18" charset="0"/>
+              <a:cs typeface="Times New Roman" panose="02020603050405020304" pitchFamily="18" charset="0"/>
+            </a:rPr>
+            <a:t>Id: 180222047</a:t>
+          </a:r>
+        </a:p>
+        <a:p>
+          <a:pPr marL="171450" lvl="1" indent="-171450" algn="l" defTabSz="800100">
+            <a:lnSpc>
+              <a:spcPct val="90000"/>
+            </a:lnSpc>
+            <a:spcBef>
+              <a:spcPct val="0"/>
+            </a:spcBef>
+            <a:spcAft>
+              <a:spcPct val="15000"/>
+            </a:spcAft>
+            <a:buChar char="•"/>
+          </a:pPr>
+          <a:endParaRPr lang="en-US" sz="1800" b="0" kern="1200" dirty="0">
             <a:latin typeface="Times New Roman" panose="02020603050405020304" pitchFamily="18" charset="0"/>
             <a:cs typeface="Times New Roman" panose="02020603050405020304" pitchFamily="18" charset="0"/>
           </a:endParaRPr>
@@ -1923,11 +1878,11 @@
             <a:buChar char="•"/>
           </a:pPr>
           <a:r>
-            <a:rPr lang="en-US" sz="1800" kern="1200" dirty="0">
+            <a:rPr lang="en-US" sz="1800" b="0" kern="1200" dirty="0">
               <a:latin typeface="Times New Roman" panose="02020603050405020304" pitchFamily="18" charset="0"/>
               <a:cs typeface="Times New Roman" panose="02020603050405020304" pitchFamily="18" charset="0"/>
             </a:rPr>
-            <a:t>Md. Raihan Ali</a:t>
+            <a:t>Md Abid Hasan</a:t>
           </a:r>
         </a:p>
         <a:p>
@@ -1944,122 +1899,19 @@
             <a:buChar char="•"/>
           </a:pPr>
           <a:r>
-            <a:rPr lang="en-US" sz="1800" kern="1200" dirty="0">
-              <a:latin typeface="Times New Roman" panose="02020603050405020304" pitchFamily="18" charset="0"/>
-              <a:cs typeface="Times New Roman" panose="02020603050405020304" pitchFamily="18" charset="0"/>
-            </a:rPr>
-            <a:t>Id: 180222024</a:t>
-          </a:r>
-        </a:p>
-        <a:p>
-          <a:pPr marL="171450" lvl="1" indent="-171450" algn="l" defTabSz="800100">
-            <a:lnSpc>
-              <a:spcPct val="90000"/>
-            </a:lnSpc>
-            <a:spcBef>
-              <a:spcPct val="0"/>
-            </a:spcBef>
-            <a:spcAft>
-              <a:spcPct val="15000"/>
-            </a:spcAft>
-            <a:buChar char="•"/>
-          </a:pPr>
-          <a:endParaRPr lang="en-US" sz="1800" kern="1200" dirty="0">
-            <a:latin typeface="Times New Roman" panose="02020603050405020304" pitchFamily="18" charset="0"/>
-            <a:cs typeface="Times New Roman" panose="02020603050405020304" pitchFamily="18" charset="0"/>
-          </a:endParaRPr>
-        </a:p>
-        <a:p>
-          <a:pPr marL="171450" lvl="1" indent="-171450" algn="l" defTabSz="800100">
-            <a:lnSpc>
-              <a:spcPct val="90000"/>
-            </a:lnSpc>
-            <a:spcBef>
-              <a:spcPct val="0"/>
-            </a:spcBef>
-            <a:spcAft>
-              <a:spcPct val="15000"/>
-            </a:spcAft>
-            <a:buChar char="•"/>
-          </a:pPr>
-          <a:r>
-            <a:rPr lang="en-US" sz="1800" kern="1200" dirty="0">
-              <a:latin typeface="Times New Roman" panose="02020603050405020304" pitchFamily="18" charset="0"/>
-              <a:cs typeface="Times New Roman" panose="02020603050405020304" pitchFamily="18" charset="0"/>
-            </a:rPr>
-            <a:t>Md. </a:t>
-          </a:r>
-          <a:r>
-            <a:rPr lang="en-US" sz="1800" kern="1200" dirty="0" err="1">
-              <a:latin typeface="Times New Roman" panose="02020603050405020304" pitchFamily="18" charset="0"/>
-              <a:cs typeface="Times New Roman" panose="02020603050405020304" pitchFamily="18" charset="0"/>
-            </a:rPr>
-            <a:t>Razib</a:t>
-          </a:r>
-          <a:r>
-            <a:rPr lang="en-US" sz="1800" kern="1200" dirty="0">
-              <a:latin typeface="Times New Roman" panose="02020603050405020304" pitchFamily="18" charset="0"/>
-              <a:cs typeface="Times New Roman" panose="02020603050405020304" pitchFamily="18" charset="0"/>
-            </a:rPr>
-            <a:t> </a:t>
-          </a:r>
-          <a:r>
-            <a:rPr lang="en-US" sz="1800" kern="1200" dirty="0" err="1">
-              <a:latin typeface="Times New Roman" panose="02020603050405020304" pitchFamily="18" charset="0"/>
-              <a:cs typeface="Times New Roman" panose="02020603050405020304" pitchFamily="18" charset="0"/>
-            </a:rPr>
-            <a:t>Mondol</a:t>
-          </a:r>
-          <a:endParaRPr lang="en-US" sz="1800" kern="1200" dirty="0">
-            <a:latin typeface="Times New Roman" panose="02020603050405020304" pitchFamily="18" charset="0"/>
-            <a:cs typeface="Times New Roman" panose="02020603050405020304" pitchFamily="18" charset="0"/>
-          </a:endParaRPr>
-        </a:p>
-        <a:p>
-          <a:pPr marL="171450" lvl="1" indent="-171450" algn="l" defTabSz="800100">
-            <a:lnSpc>
-              <a:spcPct val="90000"/>
-            </a:lnSpc>
-            <a:spcBef>
-              <a:spcPct val="0"/>
-            </a:spcBef>
-            <a:spcAft>
-              <a:spcPct val="15000"/>
-            </a:spcAft>
-            <a:buChar char="•"/>
-          </a:pPr>
-          <a:r>
-            <a:rPr lang="sv-SE" sz="1800" kern="1200" dirty="0">
+            <a:rPr lang="sv-SE" sz="1800" b="0" kern="1200" dirty="0">
               <a:latin typeface="Times New Roman" panose="02020603050405020304" pitchFamily="18" charset="0"/>
               <a:cs typeface="Times New Roman" panose="02020603050405020304" pitchFamily="18" charset="0"/>
             </a:rPr>
             <a:t>Id: </a:t>
           </a:r>
           <a:r>
-            <a:rPr lang="en-US" sz="1800" kern="1200" dirty="0">
+            <a:rPr lang="en-US" sz="1800" b="0" kern="1200" dirty="0">
               <a:latin typeface="Times New Roman" panose="02020603050405020304" pitchFamily="18" charset="0"/>
               <a:cs typeface="Times New Roman" panose="02020603050405020304" pitchFamily="18" charset="0"/>
             </a:rPr>
-            <a:t>180222025</a:t>
+            <a:t>180222048</a:t>
           </a:r>
-        </a:p>
-        <a:p>
-          <a:pPr marL="228600" lvl="1" indent="-228600" algn="l" defTabSz="1066800">
-            <a:lnSpc>
-              <a:spcPct val="90000"/>
-            </a:lnSpc>
-            <a:spcBef>
-              <a:spcPct val="0"/>
-            </a:spcBef>
-            <a:spcAft>
-              <a:spcPct val="15000"/>
-            </a:spcAft>
-            <a:buChar char="•"/>
-          </a:pPr>
-          <a:endParaRPr lang="en-US" sz="2400" kern="1200" dirty="0">
-            <a:latin typeface="Times New Roman" panose="02020603050405020304" pitchFamily="18" charset="0"/>
-            <a:cs typeface="Times New Roman" panose="02020603050405020304" pitchFamily="18" charset="0"/>
-          </a:endParaRPr>
         </a:p>
       </dsp:txBody>
       <dsp:txXfrm>
@@ -2220,12 +2072,12 @@
         <a:fontRef idx="minor"/>
       </dsp:style>
       <dsp:txBody>
-        <a:bodyPr spcFirstLastPara="0" vert="horz" wrap="square" lIns="106680" tIns="106680" rIns="142240" bIns="160020" numCol="1" spcCol="1270" anchor="t" anchorCtr="0">
+        <a:bodyPr spcFirstLastPara="0" vert="horz" wrap="square" lIns="117348" tIns="117348" rIns="156464" bIns="176022" numCol="1" spcCol="1270" anchor="t" anchorCtr="0">
           <a:noAutofit/>
         </a:bodyPr>
         <a:lstStyle/>
         <a:p>
-          <a:pPr marL="228600" lvl="1" indent="-228600" algn="l" defTabSz="889000">
+          <a:pPr marL="228600" lvl="1" indent="-228600" algn="l" defTabSz="977900">
             <a:lnSpc>
               <a:spcPct val="90000"/>
             </a:lnSpc>
@@ -2235,23 +2087,34 @@
             <a:spcAft>
               <a:spcPct val="15000"/>
             </a:spcAft>
+            <a:buFont typeface="Arial" panose="020B0604020202020204" pitchFamily="34" charset="0"/>
             <a:buChar char="•"/>
           </a:pPr>
           <a:r>
-            <a:rPr lang="en-US" sz="2000" kern="1200" dirty="0">
+            <a:rPr lang="en-US" sz="2200" b="0" kern="1200" dirty="0" err="1">
               <a:latin typeface="Times New Roman" panose="02020603050405020304" pitchFamily="18" charset="0"/>
               <a:cs typeface="Times New Roman" panose="02020603050405020304" pitchFamily="18" charset="0"/>
             </a:rPr>
-            <a:t>Jasmin </a:t>
+            <a:t>Shraboni</a:t>
           </a:r>
           <a:r>
-            <a:rPr lang="en-US" sz="2000" kern="1200" dirty="0" err="1">
+            <a:rPr lang="en-US" sz="2200" b="0" kern="1200" dirty="0">
               <a:latin typeface="Times New Roman" panose="02020603050405020304" pitchFamily="18" charset="0"/>
               <a:cs typeface="Times New Roman" panose="02020603050405020304" pitchFamily="18" charset="0"/>
             </a:rPr>
-            <a:t>Akter</a:t>
+            <a:t> </a:t>
           </a:r>
-          <a:endParaRPr lang="en-US" sz="2000" kern="1200" dirty="0"/>
+          <a:r>
+            <a:rPr lang="en-US" sz="2200" b="0" kern="1200" dirty="0" err="1">
+              <a:latin typeface="Times New Roman" panose="02020603050405020304" pitchFamily="18" charset="0"/>
+              <a:cs typeface="Times New Roman" panose="02020603050405020304" pitchFamily="18" charset="0"/>
+            </a:rPr>
+            <a:t>Afroz</a:t>
+          </a:r>
+          <a:endParaRPr lang="en-US" sz="2200" b="0" kern="1200" dirty="0">
+            <a:latin typeface="Times New Roman" panose="02020603050405020304" pitchFamily="18" charset="0"/>
+            <a:cs typeface="Times New Roman" panose="02020603050405020304" pitchFamily="18" charset="0"/>
+          </a:endParaRPr>
         </a:p>
         <a:p>
           <a:pPr marL="228600" lvl="1" indent="-228600" algn="l" defTabSz="889000">
@@ -2285,16 +2148,12 @@
             <a:buChar char="•"/>
           </a:pPr>
           <a:r>
-            <a:rPr lang="en-US" sz="2000" kern="1200">
+            <a:rPr lang="en-US" sz="2000" kern="1200" dirty="0">
               <a:latin typeface="Times New Roman" panose="02020603050405020304" pitchFamily="18" charset="0"/>
               <a:cs typeface="Times New Roman" panose="02020603050405020304" pitchFamily="18" charset="0"/>
             </a:rPr>
-            <a:t>Lecturer, Dept. of CSE, </a:t>
+            <a:t>Sr. Lecturer, Dept. of CSE, </a:t>
           </a:r>
-          <a:endParaRPr lang="en-US" sz="2000" kern="1200" dirty="0">
-            <a:latin typeface="Times New Roman" panose="02020603050405020304" pitchFamily="18" charset="0"/>
-            <a:cs typeface="Times New Roman" panose="02020603050405020304" pitchFamily="18" charset="0"/>
-          </a:endParaRPr>
         </a:p>
         <a:p>
           <a:pPr marL="228600" lvl="1" indent="-228600" algn="l" defTabSz="889000">
@@ -3757,7 +3616,7 @@
           <a:p>
             <a:fld id="{B36FC2EA-69B1-4914-8073-6B31831340D4}" type="datetimeFigureOut">
               <a:rPr lang="en-US" smtClean="0"/>
-              <a:t>10/30/2021</a:t>
+              <a:t>12/21/2021</a:t>
             </a:fld>
             <a:endParaRPr lang="en-US"/>
           </a:p>
@@ -3925,7 +3784,7 @@
           <a:p>
             <a:fld id="{B36FC2EA-69B1-4914-8073-6B31831340D4}" type="datetimeFigureOut">
               <a:rPr lang="en-US" smtClean="0"/>
-              <a:t>10/30/2021</a:t>
+              <a:t>12/21/2021</a:t>
             </a:fld>
             <a:endParaRPr lang="en-US"/>
           </a:p>
@@ -4103,7 +3962,7 @@
           <a:p>
             <a:fld id="{B36FC2EA-69B1-4914-8073-6B31831340D4}" type="datetimeFigureOut">
               <a:rPr lang="en-US" smtClean="0"/>
-              <a:t>10/30/2021</a:t>
+              <a:t>12/21/2021</a:t>
             </a:fld>
             <a:endParaRPr lang="en-US"/>
           </a:p>
@@ -4271,7 +4130,7 @@
           <a:p>
             <a:fld id="{B36FC2EA-69B1-4914-8073-6B31831340D4}" type="datetimeFigureOut">
               <a:rPr lang="en-US" smtClean="0"/>
-              <a:t>10/30/2021</a:t>
+              <a:t>12/21/2021</a:t>
             </a:fld>
             <a:endParaRPr lang="en-US"/>
           </a:p>
@@ -4516,7 +4375,7 @@
           <a:p>
             <a:fld id="{B36FC2EA-69B1-4914-8073-6B31831340D4}" type="datetimeFigureOut">
               <a:rPr lang="en-US" smtClean="0"/>
-              <a:t>10/30/2021</a:t>
+              <a:t>12/21/2021</a:t>
             </a:fld>
             <a:endParaRPr lang="en-US"/>
           </a:p>
@@ -4801,7 +4660,7 @@
           <a:p>
             <a:fld id="{B36FC2EA-69B1-4914-8073-6B31831340D4}" type="datetimeFigureOut">
               <a:rPr lang="en-US" smtClean="0"/>
-              <a:t>10/30/2021</a:t>
+              <a:t>12/21/2021</a:t>
             </a:fld>
             <a:endParaRPr lang="en-US"/>
           </a:p>
@@ -5220,7 +5079,7 @@
           <a:p>
             <a:fld id="{B36FC2EA-69B1-4914-8073-6B31831340D4}" type="datetimeFigureOut">
               <a:rPr lang="en-US" smtClean="0"/>
-              <a:t>10/30/2021</a:t>
+              <a:t>12/21/2021</a:t>
             </a:fld>
             <a:endParaRPr lang="en-US"/>
           </a:p>
@@ -5337,7 +5196,7 @@
           <a:p>
             <a:fld id="{B36FC2EA-69B1-4914-8073-6B31831340D4}" type="datetimeFigureOut">
               <a:rPr lang="en-US" smtClean="0"/>
-              <a:t>10/30/2021</a:t>
+              <a:t>12/21/2021</a:t>
             </a:fld>
             <a:endParaRPr lang="en-US"/>
           </a:p>
@@ -5432,7 +5291,7 @@
           <a:p>
             <a:fld id="{B36FC2EA-69B1-4914-8073-6B31831340D4}" type="datetimeFigureOut">
               <a:rPr lang="en-US" smtClean="0"/>
-              <a:t>10/30/2021</a:t>
+              <a:t>12/21/2021</a:t>
             </a:fld>
             <a:endParaRPr lang="en-US"/>
           </a:p>
@@ -5707,7 +5566,7 @@
           <a:p>
             <a:fld id="{B36FC2EA-69B1-4914-8073-6B31831340D4}" type="datetimeFigureOut">
               <a:rPr lang="en-US" smtClean="0"/>
-              <a:t>10/30/2021</a:t>
+              <a:t>12/21/2021</a:t>
             </a:fld>
             <a:endParaRPr lang="en-US"/>
           </a:p>
@@ -5959,7 +5818,7 @@
           <a:p>
             <a:fld id="{B36FC2EA-69B1-4914-8073-6B31831340D4}" type="datetimeFigureOut">
               <a:rPr lang="en-US" smtClean="0"/>
-              <a:t>10/30/2021</a:t>
+              <a:t>12/21/2021</a:t>
             </a:fld>
             <a:endParaRPr lang="en-US"/>
           </a:p>
@@ -6170,7 +6029,7 @@
           <a:p>
             <a:fld id="{B36FC2EA-69B1-4914-8073-6B31831340D4}" type="datetimeFigureOut">
               <a:rPr lang="en-US" smtClean="0"/>
-              <a:t>10/30/2021</a:t>
+              <a:t>12/21/2021</a:t>
             </a:fld>
             <a:endParaRPr lang="en-US"/>
           </a:p>
@@ -6568,7 +6427,7 @@
           <a:lstStyle/>
           <a:p>
             <a:r>
-              <a:rPr lang="en-US" sz="3200" b="1" dirty="0">
+              <a:rPr lang="en-US" sz="3000" b="1" dirty="0">
                 <a:latin typeface="Times New Roman" panose="02020603050405020304" pitchFamily="18" charset="0"/>
                 <a:cs typeface="Times New Roman" panose="02020603050405020304" pitchFamily="18" charset="0"/>
               </a:rPr>
@@ -6581,16 +6440,12 @@
               </a:rPr>
             </a:br>
             <a:r>
-              <a:rPr lang="en-US" sz="2800" dirty="0">
+              <a:rPr lang="en-US" sz="2400" dirty="0">
                 <a:latin typeface="Times New Roman" panose="02020603050405020304" pitchFamily="18" charset="0"/>
                 <a:cs typeface="Times New Roman" panose="02020603050405020304" pitchFamily="18" charset="0"/>
               </a:rPr>
-              <a:t>Weather Hub</a:t>
-            </a:r>
-            <a:endParaRPr lang="en-US" sz="2800" b="1" dirty="0">
-              <a:latin typeface="Times New Roman" panose="02020603050405020304" pitchFamily="18" charset="0"/>
-              <a:cs typeface="Times New Roman" panose="02020603050405020304" pitchFamily="18" charset="0"/>
-            </a:endParaRPr>
+              <a:t>EUB-APGT (Automated Payroll and GPS Tracker)</a:t>
+            </a:r>
           </a:p>
         </p:txBody>
       </p:sp>
@@ -6601,7 +6456,7 @@
           <p:nvPr>
             <p:extLst>
               <p:ext uri="{D42A27DB-BD31-4B8C-83A1-F6EECF244321}">
-                <p14:modId xmlns:p14="http://schemas.microsoft.com/office/powerpoint/2010/main" val="680963184"/>
+                <p14:modId xmlns:p14="http://schemas.microsoft.com/office/powerpoint/2010/main" val="2001662400"/>
               </p:ext>
             </p:extLst>
           </p:nvPr>
@@ -6942,16 +6797,17 @@
           </a:xfrm>
         </p:spPr>
         <p:txBody>
-          <a:bodyPr/>
+          <a:bodyPr>
+            <a:normAutofit/>
+          </a:bodyPr>
           <a:lstStyle/>
           <a:p>
             <a:r>
-              <a:rPr lang="en-US" sz="4000" dirty="0"/>
-              <a:t>Date</a:t>
-            </a:r>
-            <a:r>
-              <a:rPr lang="en-US" dirty="0"/>
-              <a:t> of completion</a:t>
+              <a:rPr lang="en-US" sz="3200" b="1" dirty="0">
+                <a:latin typeface="Times New Roman" panose="02020603050405020304" pitchFamily="18" charset="0"/>
+                <a:cs typeface="Times New Roman" panose="02020603050405020304" pitchFamily="18" charset="0"/>
+              </a:rPr>
+              <a:t>Date of completion</a:t>
             </a:r>
           </a:p>
         </p:txBody>
@@ -6973,23 +6829,33 @@
           </a:xfrm>
         </p:spPr>
         <p:txBody>
-          <a:bodyPr/>
+          <a:bodyPr>
+            <a:normAutofit/>
+          </a:bodyPr>
           <a:lstStyle/>
           <a:p>
             <a:pPr marL="0" indent="0">
               <a:buNone/>
             </a:pPr>
             <a:r>
-              <a:rPr lang="en-US" sz="2000" dirty="0"/>
-              <a:t>I will finished up to the detection and evaluation of my proposed work within October </a:t>
-            </a:r>
-            <a:r>
-              <a:rPr lang="bn-BD" sz="2000" dirty="0"/>
+              <a:rPr lang="en-US" sz="2000" dirty="0">
+                <a:latin typeface="Times New Roman" panose="02020603050405020304" pitchFamily="18" charset="0"/>
+                <a:cs typeface="Times New Roman" panose="02020603050405020304" pitchFamily="18" charset="0"/>
+              </a:rPr>
+              <a:t>We will finished up to the detection and evaluation of my proposed work within October </a:t>
+            </a:r>
+            <a:r>
+              <a:rPr lang="bn-BD" sz="2000" dirty="0">
+                <a:latin typeface="Times New Roman" panose="02020603050405020304" pitchFamily="18" charset="0"/>
+              </a:rPr>
               <a:t>14</a:t>
             </a:r>
             <a:r>
-              <a:rPr lang="en-US" sz="2000" dirty="0"/>
-              <a:t>, 2019.</a:t>
+              <a:rPr lang="en-US" sz="2000" dirty="0">
+                <a:latin typeface="Times New Roman" panose="02020603050405020304" pitchFamily="18" charset="0"/>
+                <a:cs typeface="Times New Roman" panose="02020603050405020304" pitchFamily="18" charset="0"/>
+              </a:rPr>
+              <a:t>, 2021.</a:t>
             </a:r>
           </a:p>
           <a:p>
@@ -6997,11 +6863,16 @@
               <a:buNone/>
             </a:pPr>
             <a:r>
-              <a:rPr lang="bn-BD" dirty="0"/>
+              <a:rPr lang="bn-BD" sz="2000" dirty="0">
+                <a:latin typeface="Times New Roman" panose="02020603050405020304" pitchFamily="18" charset="0"/>
+              </a:rPr>
               <a:t>   </a:t>
             </a:r>
             <a:r>
-              <a:rPr lang="en-US" dirty="0"/>
+              <a:rPr lang="en-US" sz="2000" dirty="0">
+                <a:latin typeface="Times New Roman" panose="02020603050405020304" pitchFamily="18" charset="0"/>
+                <a:cs typeface="Times New Roman" panose="02020603050405020304" pitchFamily="18" charset="0"/>
+              </a:rPr>
               <a:t>    </a:t>
             </a:r>
           </a:p>
@@ -7049,22 +6920,17 @@
           </a:xfrm>
         </p:spPr>
         <p:txBody>
-          <a:bodyPr/>
+          <a:bodyPr>
+            <a:normAutofit/>
+          </a:bodyPr>
           <a:lstStyle/>
           <a:p>
             <a:r>
-              <a:rPr lang="en-US" sz="4000" dirty="0">
+              <a:rPr lang="en-US" sz="3200" b="1" dirty="0">
                 <a:latin typeface="Times New Roman" panose="02020603050405020304" pitchFamily="18" charset="0"/>
                 <a:cs typeface="Times New Roman" panose="02020603050405020304" pitchFamily="18" charset="0"/>
               </a:rPr>
-              <a:t>Conclus</a:t>
-            </a:r>
-            <a:r>
-              <a:rPr lang="en-US" dirty="0">
-                <a:latin typeface="Times New Roman" panose="02020603050405020304" pitchFamily="18" charset="0"/>
-                <a:cs typeface="Times New Roman" panose="02020603050405020304" pitchFamily="18" charset="0"/>
-              </a:rPr>
-              <a:t>ion</a:t>
+              <a:t>Conclusion</a:t>
             </a:r>
           </a:p>
         </p:txBody>
@@ -7108,14 +6974,11 @@
             </a:pPr>
             <a:r>
               <a:rPr lang="en-US" sz="2000" dirty="0">
-                <a:solidFill>
-                  <a:srgbClr val="000000"/>
-                </a:solidFill>
                 <a:effectLst/>
-                <a:latin typeface="Arial" panose="020B0604020202020204" pitchFamily="34" charset="0"/>
-                <a:ea typeface="MS Mincho" panose="02020609040205080304" pitchFamily="49" charset="-128"/>
+                <a:latin typeface="Times New Roman" panose="02020603050405020304" pitchFamily="18" charset="0"/>
+                <a:ea typeface="Times New Roman" panose="02020603050405020304" pitchFamily="18" charset="0"/>
               </a:rPr>
-              <a:t>To become a developed country, the country must rely on technology. Using technology in </a:t>
+              <a:t>We are introducing automated payroll using GPS location tracking which uses to view an employee by using the employee’s geographical location and locate the longitude and latitude positions and we can view the path the way he travelled throughout the day and calculates the employee salary, it eradicates the proxy attendances and fake salary calculations</a:t>
             </a:r>
             <a:r>
               <a:rPr lang="en-US" sz="2000" dirty="0">
@@ -7123,21 +6986,10 @@
                   <a:srgbClr val="000000"/>
                 </a:solidFill>
                 <a:effectLst/>
-                <a:latin typeface="Arial" panose="020B0604020202020204" pitchFamily="34" charset="0"/>
-                <a:ea typeface="Times New Roman" panose="02020603050405020304" pitchFamily="18" charset="0"/>
-              </a:rPr>
-              <a:t>environment &amp; geography will</a:t>
-            </a:r>
-            <a:r>
-              <a:rPr lang="en-US" sz="2000" dirty="0">
-                <a:solidFill>
-                  <a:srgbClr val="000000"/>
-                </a:solidFill>
-                <a:effectLst/>
-                <a:latin typeface="Arial" panose="020B0604020202020204" pitchFamily="34" charset="0"/>
+                <a:latin typeface="Times New Roman" panose="02020603050405020304" pitchFamily="18" charset="0"/>
                 <a:ea typeface="MS Mincho" panose="02020609040205080304" pitchFamily="49" charset="-128"/>
               </a:rPr>
-              <a:t> make a nation one step ahead to become a developed nation. If everyone uses a smart online based weather app, they will be benefitted in many ways as mentioned in the purpose of this application.</a:t>
+              <a:t>.</a:t>
             </a:r>
             <a:endParaRPr lang="en-US" sz="2000" dirty="0">
               <a:effectLst/>
@@ -7380,11 +7232,13 @@
           </a:xfrm>
         </p:spPr>
         <p:txBody>
-          <a:bodyPr/>
+          <a:bodyPr>
+            <a:normAutofit/>
+          </a:bodyPr>
           <a:lstStyle/>
           <a:p>
             <a:r>
-              <a:rPr lang="en-US" dirty="0">
+              <a:rPr lang="en-US" sz="3200" b="1" dirty="0">
                 <a:latin typeface="Times New Roman" panose="02020603050405020304" pitchFamily="18" charset="0"/>
                 <a:cs typeface="Times New Roman" panose="02020603050405020304" pitchFamily="18" charset="0"/>
               </a:rPr>
@@ -7420,7 +7274,7 @@
               <a:buAutoNum type="arabicParenR"/>
             </a:pPr>
             <a:r>
-              <a:rPr lang="en-US" sz="2400" dirty="0">
+              <a:rPr lang="en-US" sz="2000" dirty="0">
                 <a:latin typeface="Times New Roman" panose="02020603050405020304" pitchFamily="18" charset="0"/>
                 <a:cs typeface="Times New Roman" panose="02020603050405020304" pitchFamily="18" charset="0"/>
               </a:rPr>
@@ -7433,7 +7287,7 @@
               <a:buAutoNum type="arabicParenR"/>
             </a:pPr>
             <a:r>
-              <a:rPr lang="en-US" sz="2400" dirty="0">
+              <a:rPr lang="en-US" sz="2000" dirty="0">
                 <a:latin typeface="Times New Roman" panose="02020603050405020304" pitchFamily="18" charset="0"/>
                 <a:cs typeface="Times New Roman" panose="02020603050405020304" pitchFamily="18" charset="0"/>
               </a:rPr>
@@ -7446,7 +7300,7 @@
               <a:buAutoNum type="arabicParenR"/>
             </a:pPr>
             <a:r>
-              <a:rPr lang="en-US" sz="2400" dirty="0">
+              <a:rPr lang="en-US" sz="2000" dirty="0">
                 <a:latin typeface="Times New Roman" panose="02020603050405020304" pitchFamily="18" charset="0"/>
                 <a:cs typeface="Times New Roman" panose="02020603050405020304" pitchFamily="18" charset="0"/>
               </a:rPr>
@@ -7459,7 +7313,7 @@
               <a:buAutoNum type="arabicParenR"/>
             </a:pPr>
             <a:r>
-              <a:rPr lang="en-US" sz="2400" dirty="0">
+              <a:rPr lang="en-US" sz="2000" dirty="0">
                 <a:latin typeface="Times New Roman" panose="02020603050405020304" pitchFamily="18" charset="0"/>
                 <a:cs typeface="Times New Roman" panose="02020603050405020304" pitchFamily="18" charset="0"/>
               </a:rPr>
@@ -7472,7 +7326,7 @@
               <a:buAutoNum type="arabicParenR"/>
             </a:pPr>
             <a:r>
-              <a:rPr lang="en-US" sz="2400" dirty="0">
+              <a:rPr lang="en-US" sz="2000" dirty="0">
                 <a:latin typeface="Times New Roman" panose="02020603050405020304" pitchFamily="18" charset="0"/>
                 <a:cs typeface="Times New Roman" panose="02020603050405020304" pitchFamily="18" charset="0"/>
               </a:rPr>
@@ -7485,7 +7339,7 @@
               <a:buAutoNum type="arabicParenR"/>
             </a:pPr>
             <a:r>
-              <a:rPr lang="en-US" sz="2400" dirty="0">
+              <a:rPr lang="en-US" sz="2000" dirty="0">
                 <a:latin typeface="Times New Roman" panose="02020603050405020304" pitchFamily="18" charset="0"/>
                 <a:cs typeface="Times New Roman" panose="02020603050405020304" pitchFamily="18" charset="0"/>
               </a:rPr>
@@ -7498,7 +7352,7 @@
               <a:buAutoNum type="arabicParenR"/>
             </a:pPr>
             <a:r>
-              <a:rPr lang="en-US" sz="2400" dirty="0">
+              <a:rPr lang="en-US" sz="2000" dirty="0">
                 <a:latin typeface="Times New Roman" panose="02020603050405020304" pitchFamily="18" charset="0"/>
                 <a:cs typeface="Times New Roman" panose="02020603050405020304" pitchFamily="18" charset="0"/>
               </a:rPr>
@@ -7511,7 +7365,7 @@
               <a:buAutoNum type="arabicParenR"/>
             </a:pPr>
             <a:r>
-              <a:rPr lang="en-US" sz="2400" dirty="0">
+              <a:rPr lang="en-US" sz="2000" dirty="0">
                 <a:latin typeface="Times New Roman" panose="02020603050405020304" pitchFamily="18" charset="0"/>
                 <a:cs typeface="Times New Roman" panose="02020603050405020304" pitchFamily="18" charset="0"/>
               </a:rPr>
@@ -8111,13 +7965,13 @@
           <a:lstStyle/>
           <a:p>
             <a:r>
-              <a:rPr lang="en-US" b="1" dirty="0">
+              <a:rPr lang="en-US" sz="3200" b="1" dirty="0">
                 <a:latin typeface="Times New Roman" panose="02020603050405020304" pitchFamily="18" charset="0"/>
                 <a:cs typeface="Times New Roman" panose="02020603050405020304" pitchFamily="18" charset="0"/>
               </a:rPr>
               <a:t>Introduction</a:t>
             </a:r>
-            <a:endParaRPr lang="en-US" sz="3600" dirty="0">
+            <a:endParaRPr lang="en-US" sz="3200" dirty="0">
               <a:latin typeface="Times New Roman" panose="02020603050405020304" pitchFamily="18" charset="0"/>
               <a:cs typeface="Times New Roman" panose="02020603050405020304" pitchFamily="18" charset="0"/>
             </a:endParaRPr>
@@ -8136,7 +7990,7 @@
         </p:nvSpPr>
         <p:spPr>
           <a:xfrm>
-            <a:off x="2819401" y="2590800"/>
+            <a:off x="2514600" y="2514600"/>
             <a:ext cx="5029200" cy="2819400"/>
           </a:xfrm>
         </p:spPr>
@@ -8155,7 +8009,7 @@
                 <a:latin typeface="Times New Roman" panose="02020603050405020304" pitchFamily="18" charset="0"/>
                 <a:cs typeface="Times New Roman" panose="02020603050405020304" pitchFamily="18" charset="0"/>
               </a:rPr>
-              <a:t>Weather Forecast Android Application</a:t>
+              <a:t>GPS tracking of employee location</a:t>
             </a:r>
           </a:p>
           <a:p>
@@ -8168,7 +8022,7 @@
                 <a:latin typeface="Times New Roman" panose="02020603050405020304" pitchFamily="18" charset="0"/>
                 <a:cs typeface="Times New Roman" panose="02020603050405020304" pitchFamily="18" charset="0"/>
               </a:rPr>
-              <a:t>5 Days Forecasting</a:t>
+              <a:t>Measure remuneration based on work hour</a:t>
             </a:r>
           </a:p>
           <a:p>
@@ -8181,20 +8035,7 @@
                 <a:latin typeface="Times New Roman" panose="02020603050405020304" pitchFamily="18" charset="0"/>
                 <a:cs typeface="Times New Roman" panose="02020603050405020304" pitchFamily="18" charset="0"/>
               </a:rPr>
-              <a:t>Daily weather update</a:t>
-            </a:r>
-          </a:p>
-          <a:p>
-            <a:pPr>
-              <a:buFont typeface="Wingdings" panose="05000000000000000000" pitchFamily="2" charset="2"/>
-              <a:buChar char="v"/>
-            </a:pPr>
-            <a:r>
-              <a:rPr lang="en-US" sz="2000" dirty="0">
-                <a:latin typeface="Times New Roman" panose="02020603050405020304" pitchFamily="18" charset="0"/>
-                <a:cs typeface="Times New Roman" panose="02020603050405020304" pitchFamily="18" charset="0"/>
-              </a:rPr>
-              <a:t>City wise weather information</a:t>
+              <a:t>Automated payroll</a:t>
             </a:r>
           </a:p>
         </p:txBody>
@@ -8260,7 +8101,7 @@
           <a:lstStyle/>
           <a:p>
             <a:r>
-              <a:rPr lang="en-US" dirty="0">
+              <a:rPr lang="en-US" sz="3200" b="1" dirty="0">
                 <a:latin typeface="Times New Roman" panose="02020603050405020304" pitchFamily="18" charset="0"/>
                 <a:cs typeface="Times New Roman" panose="02020603050405020304" pitchFamily="18" charset="0"/>
               </a:rPr>
@@ -8282,7 +8123,7 @@
         <p:spPr>
           <a:xfrm>
             <a:off x="1447799" y="1676400"/>
-            <a:ext cx="6324601" cy="4267200"/>
+            <a:ext cx="6324601" cy="1295400"/>
           </a:xfrm>
         </p:spPr>
         <p:txBody>
@@ -8320,32 +8161,43 @@
               <a:t> </a:t>
             </a:r>
             <a:r>
-              <a:rPr lang="bn-IN" sz="1800" b="1" dirty="0">
+              <a:rPr lang="en-US" sz="2000" dirty="0">
+                <a:effectLst/>
+                <a:latin typeface="Times New Roman" panose="02020603050405020304" pitchFamily="18" charset="0"/>
+                <a:ea typeface="Times New Roman" panose="02020603050405020304" pitchFamily="18" charset="0"/>
+              </a:rPr>
+              <a:t>AC Payroll</a:t>
+            </a:r>
+            <a:r>
+              <a:rPr lang="en-US" sz="2000" b="1" dirty="0">
+                <a:effectLst/>
                 <a:latin typeface="Times New Roman" panose="02020603050405020304" pitchFamily="18" charset="0"/>
                 <a:ea typeface="Tahoma" panose="020B0604030504040204" pitchFamily="34" charset="0"/>
                 <a:cs typeface="Times New Roman" panose="02020603050405020304" pitchFamily="18" charset="0"/>
               </a:rPr>
-              <a:t>“</a:t>
-            </a:r>
-            <a:r>
-              <a:rPr lang="en-US" sz="1800" b="1" dirty="0" err="1">
-                <a:solidFill>
-                  <a:srgbClr val="000000"/>
-                </a:solidFill>
+              <a:t>, </a:t>
+            </a:r>
+            <a:r>
+              <a:rPr lang="en-US" sz="2000" dirty="0" err="1">
                 <a:effectLst/>
-                <a:latin typeface="Nirmala UI" panose="020B0502040204020203" pitchFamily="34" charset="0"/>
+                <a:latin typeface="Times New Roman" panose="02020603050405020304" pitchFamily="18" charset="0"/>
                 <a:ea typeface="Times New Roman" panose="02020603050405020304" pitchFamily="18" charset="0"/>
               </a:rPr>
-              <a:t>আবহাওয়া</a:t>
-            </a:r>
-            <a:r>
-              <a:rPr lang="bn-IN" sz="1800" b="1" dirty="0">
+              <a:t>Ultimatix</a:t>
+            </a:r>
+            <a:r>
+              <a:rPr lang="en-US" sz="2000" dirty="0">
+                <a:effectLst/>
                 <a:latin typeface="Times New Roman" panose="02020603050405020304" pitchFamily="18" charset="0"/>
-                <a:ea typeface="Tahoma" panose="020B0604030504040204" pitchFamily="34" charset="0"/>
-                <a:cs typeface="Times New Roman" panose="02020603050405020304" pitchFamily="18" charset="0"/>
+                <a:ea typeface="Times New Roman" panose="02020603050405020304" pitchFamily="18" charset="0"/>
               </a:rPr>
-              <a:t>”</a:t>
-            </a:r>
+              <a:t> Payroll etc.</a:t>
+            </a:r>
+            <a:endParaRPr lang="bn-IN" sz="2000" b="1" dirty="0">
+              <a:latin typeface="Times New Roman" panose="02020603050405020304" pitchFamily="18" charset="0"/>
+              <a:ea typeface="Tahoma" panose="020B0604030504040204" pitchFamily="34" charset="0"/>
+              <a:cs typeface="Times New Roman" panose="02020603050405020304" pitchFamily="18" charset="0"/>
+            </a:endParaRPr>
           </a:p>
           <a:p>
             <a:pPr marL="0" indent="0">
@@ -8409,14 +8261,14 @@
           <p:nvPr>
             <p:extLst>
               <p:ext uri="{D42A27DB-BD31-4B8C-83A1-F6EECF244321}">
-                <p14:modId xmlns:p14="http://schemas.microsoft.com/office/powerpoint/2010/main" val="1073743514"/>
+                <p14:modId xmlns:p14="http://schemas.microsoft.com/office/powerpoint/2010/main" val="3423512041"/>
               </p:ext>
             </p:extLst>
           </p:nvPr>
         </p:nvGraphicFramePr>
         <p:xfrm>
           <a:off x="1371600" y="3068320"/>
-          <a:ext cx="6781800" cy="2722880"/>
+          <a:ext cx="6781800" cy="2875280"/>
         </p:xfrm>
         <a:graphic>
           <a:graphicData uri="http://schemas.openxmlformats.org/drawingml/2006/table">
@@ -8440,7 +8292,7 @@
                   </a:extLst>
                 </a:gridCol>
               </a:tblGrid>
-              <a:tr h="894080">
+              <a:tr h="944122">
                 <a:tc>
                   <a:txBody>
                     <a:bodyPr/>
@@ -8460,13 +8312,14 @@
                           <a:tab pos="5257800" algn="l"/>
                         </a:tabLst>
                       </a:pPr>
-                      <a:endParaRPr lang="en-US" sz="1800" dirty="0">
+                      <a:endParaRPr lang="en-US" sz="1800" b="1" dirty="0">
                         <a:solidFill>
                           <a:srgbClr val="000000"/>
                         </a:solidFill>
                         <a:effectLst/>
-                        <a:latin typeface="Arial" panose="020B0604020202020204" pitchFamily="34" charset="0"/>
+                        <a:latin typeface="Times New Roman" panose="02020603050405020304" pitchFamily="18" charset="0"/>
                         <a:ea typeface="MS Mincho" panose="02020609040205080304" pitchFamily="49" charset="-128"/>
+                        <a:cs typeface="Times New Roman" panose="02020603050405020304" pitchFamily="18" charset="0"/>
                       </a:endParaRPr>
                     </a:p>
                     <a:p>
@@ -8485,20 +8338,22 @@
                         </a:tabLst>
                       </a:pPr>
                       <a:r>
-                        <a:rPr lang="en-US" sz="1800" dirty="0">
+                        <a:rPr lang="en-US" sz="1800" b="1" dirty="0">
                           <a:solidFill>
                             <a:srgbClr val="000000"/>
                           </a:solidFill>
                           <a:effectLst/>
-                          <a:latin typeface="Arial" panose="020B0604020202020204" pitchFamily="34" charset="0"/>
+                          <a:latin typeface="Times New Roman" panose="02020603050405020304" pitchFamily="18" charset="0"/>
                           <a:ea typeface="MS Mincho" panose="02020609040205080304" pitchFamily="49" charset="-128"/>
+                          <a:cs typeface="Times New Roman" panose="02020603050405020304" pitchFamily="18" charset="0"/>
                         </a:rPr>
                         <a:t>Their Work Principle</a:t>
                       </a:r>
-                      <a:endParaRPr lang="en-US" sz="1800" dirty="0">
+                      <a:endParaRPr lang="en-US" sz="1800" b="1" dirty="0">
                         <a:effectLst/>
                         <a:latin typeface="Times New Roman" panose="02020603050405020304" pitchFamily="18" charset="0"/>
                         <a:ea typeface="Times New Roman" panose="02020603050405020304" pitchFamily="18" charset="0"/>
+                        <a:cs typeface="Times New Roman" panose="02020603050405020304" pitchFamily="18" charset="0"/>
                       </a:endParaRPr>
                     </a:p>
                   </a:txBody>
@@ -8523,13 +8378,14 @@
                           <a:tab pos="5257800" algn="l"/>
                         </a:tabLst>
                       </a:pPr>
-                      <a:endParaRPr lang="en-US" sz="1800" dirty="0">
+                      <a:endParaRPr lang="en-US" sz="1800" b="1" dirty="0">
                         <a:solidFill>
                           <a:srgbClr val="000000"/>
                         </a:solidFill>
                         <a:effectLst/>
-                        <a:latin typeface="Arial" panose="020B0604020202020204" pitchFamily="34" charset="0"/>
+                        <a:latin typeface="Times New Roman" panose="02020603050405020304" pitchFamily="18" charset="0"/>
                         <a:ea typeface="MS Mincho" panose="02020609040205080304" pitchFamily="49" charset="-128"/>
+                        <a:cs typeface="Times New Roman" panose="02020603050405020304" pitchFamily="18" charset="0"/>
                       </a:endParaRPr>
                     </a:p>
                     <a:p>
@@ -8548,20 +8404,22 @@
                         </a:tabLst>
                       </a:pPr>
                       <a:r>
-                        <a:rPr lang="en-US" sz="1800" dirty="0">
+                        <a:rPr lang="en-US" sz="1800" b="1" dirty="0">
                           <a:solidFill>
                             <a:srgbClr val="000000"/>
                           </a:solidFill>
                           <a:effectLst/>
-                          <a:latin typeface="Arial" panose="020B0604020202020204" pitchFamily="34" charset="0"/>
+                          <a:latin typeface="Times New Roman" panose="02020603050405020304" pitchFamily="18" charset="0"/>
                           <a:ea typeface="MS Mincho" panose="02020609040205080304" pitchFamily="49" charset="-128"/>
+                          <a:cs typeface="Times New Roman" panose="02020603050405020304" pitchFamily="18" charset="0"/>
                         </a:rPr>
                         <a:t>Our Work Principle</a:t>
                       </a:r>
-                      <a:endParaRPr lang="en-US" sz="1800" dirty="0">
+                      <a:endParaRPr lang="en-US" sz="1800" b="1" dirty="0">
                         <a:effectLst/>
                         <a:latin typeface="Times New Roman" panose="02020603050405020304" pitchFamily="18" charset="0"/>
                         <a:ea typeface="Times New Roman" panose="02020603050405020304" pitchFamily="18" charset="0"/>
+                        <a:cs typeface="Times New Roman" panose="02020603050405020304" pitchFamily="18" charset="0"/>
                       </a:endParaRPr>
                     </a:p>
                   </a:txBody>
@@ -8573,7 +8431,7 @@
                   </a:ext>
                 </a:extLst>
               </a:tr>
-              <a:tr h="1828800">
+              <a:tr h="1931158">
                 <a:tc>
                   <a:txBody>
                     <a:bodyPr/>
@@ -8593,13 +8451,14 @@
                           <a:tab pos="5257800" algn="l"/>
                         </a:tabLst>
                       </a:pPr>
-                      <a:endParaRPr lang="en-US" sz="1800" dirty="0">
+                      <a:endParaRPr lang="en-US" sz="1800" b="0" dirty="0">
                         <a:solidFill>
                           <a:srgbClr val="000000"/>
                         </a:solidFill>
                         <a:effectLst/>
-                        <a:latin typeface="Arial" panose="020B0604020202020204" pitchFamily="34" charset="0"/>
+                        <a:latin typeface="Times New Roman" panose="02020603050405020304" pitchFamily="18" charset="0"/>
                         <a:ea typeface="MS Mincho" panose="02020609040205080304" pitchFamily="49" charset="-128"/>
+                        <a:cs typeface="Times New Roman" panose="02020603050405020304" pitchFamily="18" charset="0"/>
                       </a:endParaRPr>
                     </a:p>
                     <a:p>
@@ -8618,20 +8477,22 @@
                         </a:tabLst>
                       </a:pPr>
                       <a:r>
-                        <a:rPr lang="en-US" sz="1800" dirty="0">
+                        <a:rPr lang="en-US" sz="1800" b="0" kern="1200" dirty="0">
                           <a:solidFill>
-                            <a:srgbClr val="000000"/>
+                            <a:schemeClr val="tx1"/>
                           </a:solidFill>
                           <a:effectLst/>
-                          <a:latin typeface="Arial" panose="020B0604020202020204" pitchFamily="34" charset="0"/>
-                          <a:ea typeface="MS Mincho" panose="02020609040205080304" pitchFamily="49" charset="-128"/>
+                          <a:latin typeface="Times New Roman" panose="02020603050405020304" pitchFamily="18" charset="0"/>
+                          <a:ea typeface="+mn-ea"/>
+                          <a:cs typeface="Times New Roman" panose="02020603050405020304" pitchFamily="18" charset="0"/>
                         </a:rPr>
-                        <a:t>Detect weather of today, tomorrow and four days of weather prediction.</a:t>
+                        <a:t>Android application performing employee attendance and salary management system. They did not provide live location tracking.</a:t>
                       </a:r>
-                      <a:endParaRPr lang="en-US" sz="1800" dirty="0">
+                      <a:endParaRPr lang="en-US" sz="1800" b="0" dirty="0">
                         <a:effectLst/>
                         <a:latin typeface="Times New Roman" panose="02020603050405020304" pitchFamily="18" charset="0"/>
                         <a:ea typeface="Times New Roman" panose="02020603050405020304" pitchFamily="18" charset="0"/>
+                        <a:cs typeface="Times New Roman" panose="02020603050405020304" pitchFamily="18" charset="0"/>
                       </a:endParaRPr>
                     </a:p>
                   </a:txBody>
@@ -8656,13 +8517,14 @@
                           <a:tab pos="5257800" algn="l"/>
                         </a:tabLst>
                       </a:pPr>
-                      <a:endParaRPr lang="en-US" sz="1800" dirty="0">
+                      <a:endParaRPr lang="en-US" sz="1800" b="0" dirty="0">
                         <a:solidFill>
                           <a:srgbClr val="000000"/>
                         </a:solidFill>
                         <a:effectLst/>
-                        <a:latin typeface="Arial" panose="020B0604020202020204" pitchFamily="34" charset="0"/>
+                        <a:latin typeface="Times New Roman" panose="02020603050405020304" pitchFamily="18" charset="0"/>
                         <a:ea typeface="MS Mincho" panose="02020609040205080304" pitchFamily="49" charset="-128"/>
+                        <a:cs typeface="Times New Roman" panose="02020603050405020304" pitchFamily="18" charset="0"/>
                       </a:endParaRPr>
                     </a:p>
                     <a:p>
@@ -8681,39 +8543,22 @@
                         </a:tabLst>
                       </a:pPr>
                       <a:r>
-                        <a:rPr lang="en-US" sz="1800" dirty="0">
+                        <a:rPr lang="en-US" sz="1800" b="0" dirty="0">
                           <a:solidFill>
                             <a:srgbClr val="000000"/>
                           </a:solidFill>
                           <a:effectLst/>
-                          <a:latin typeface="Arial" panose="020B0604020202020204" pitchFamily="34" charset="0"/>
+                          <a:latin typeface="Times New Roman" panose="02020603050405020304" pitchFamily="18" charset="0"/>
                           <a:ea typeface="MS Mincho" panose="02020609040205080304" pitchFamily="49" charset="-128"/>
+                          <a:cs typeface="Times New Roman" panose="02020603050405020304" pitchFamily="18" charset="0"/>
                         </a:rPr>
-                        <a:t>Detect weather of today and five days (</a:t>
+                        <a:t>Our system will provide both employee attendance, hourly salary and live employee location on Map using GPS tracker.</a:t>
                       </a:r>
-                      <a:r>
-                        <a:rPr lang="en-US" sz="1800" dirty="0">
-                          <a:effectLst/>
-                          <a:latin typeface="Arial" panose="020B0604020202020204" pitchFamily="34" charset="0"/>
-                          <a:ea typeface="Times New Roman" panose="02020603050405020304" pitchFamily="18" charset="0"/>
-                        </a:rPr>
-                        <a:t>three hours interval)</a:t>
-                      </a:r>
-                      <a:r>
-                        <a:rPr lang="en-US" sz="1800" dirty="0">
-                          <a:solidFill>
-                            <a:srgbClr val="000000"/>
-                          </a:solidFill>
-                          <a:effectLst/>
-                          <a:latin typeface="Arial" panose="020B0604020202020204" pitchFamily="34" charset="0"/>
-                          <a:ea typeface="MS Mincho" panose="02020609040205080304" pitchFamily="49" charset="-128"/>
-                        </a:rPr>
-                        <a:t> of weather prediction.</a:t>
-                      </a:r>
-                      <a:endParaRPr lang="en-US" sz="1800" dirty="0">
+                      <a:endParaRPr lang="en-US" sz="1800" b="0" dirty="0">
                         <a:effectLst/>
                         <a:latin typeface="Times New Roman" panose="02020603050405020304" pitchFamily="18" charset="0"/>
                         <a:ea typeface="Times New Roman" panose="02020603050405020304" pitchFamily="18" charset="0"/>
+                        <a:cs typeface="Times New Roman" panose="02020603050405020304" pitchFamily="18" charset="0"/>
                       </a:endParaRPr>
                     </a:p>
                   </a:txBody>
@@ -8782,13 +8627,13 @@
           <a:lstStyle/>
           <a:p>
             <a:r>
-              <a:rPr lang="en-US" sz="4900" b="1" dirty="0">
+              <a:rPr lang="en-US" sz="3200" b="1" dirty="0">
                 <a:latin typeface="Times New Roman" panose="02020603050405020304" pitchFamily="18" charset="0"/>
                 <a:cs typeface="Times New Roman" panose="02020603050405020304" pitchFamily="18" charset="0"/>
               </a:rPr>
               <a:t>Motivation</a:t>
             </a:r>
-            <a:endParaRPr lang="en-US" dirty="0"/>
+            <a:endParaRPr lang="en-US" sz="3200" dirty="0"/>
           </a:p>
         </p:txBody>
       </p:sp>
@@ -8814,7 +8659,7 @@
           </a:bodyPr>
           <a:lstStyle/>
           <a:p>
-            <a:pPr marR="0" algn="just">
+            <a:pPr marL="0" marR="0" algn="just">
               <a:lnSpc>
                 <a:spcPct val="150000"/>
               </a:lnSpc>
@@ -8824,27 +8669,26 @@
               <a:spcAft>
                 <a:spcPts val="0"/>
               </a:spcAft>
-              <a:buFont typeface="Wingdings" panose="05000000000000000000" pitchFamily="2" charset="2"/>
-              <a:buChar char="v"/>
             </a:pPr>
             <a:r>
-              <a:rPr lang="en-US" sz="1800" dirty="0">
+              <a:rPr lang="en-US" sz="2000" dirty="0">
                 <a:solidFill>
                   <a:srgbClr val="000000"/>
                 </a:solidFill>
                 <a:effectLst/>
-                <a:latin typeface="Arial" panose="020B0604020202020204" pitchFamily="34" charset="0"/>
+                <a:latin typeface="Times New Roman" panose="02020603050405020304" pitchFamily="18" charset="0"/>
                 <a:ea typeface="Arial" panose="020B0604020202020204" pitchFamily="34" charset="0"/>
               </a:rPr>
-              <a:t>Rainfall Prediction.</a:t>
-            </a:r>
-            <a:endParaRPr lang="en-US" sz="1800" dirty="0">
+              <a:t>Automated payroll.</a:t>
+            </a:r>
+            <a:endParaRPr lang="en-US" sz="2000" dirty="0">
+              <a:effectLst/>
               <a:latin typeface="Times New Roman" panose="02020603050405020304" pitchFamily="18" charset="0"/>
-              <a:ea typeface="Arial" panose="020B0604020202020204" pitchFamily="34" charset="0"/>
+              <a:ea typeface="Times New Roman" panose="02020603050405020304" pitchFamily="18" charset="0"/>
             </a:endParaRPr>
           </a:p>
           <a:p>
-            <a:pPr marR="0" algn="just">
+            <a:pPr marL="0" marR="0" algn="just">
               <a:lnSpc>
                 <a:spcPct val="150000"/>
               </a:lnSpc>
@@ -8854,28 +8698,25 @@
               <a:spcAft>
                 <a:spcPts val="0"/>
               </a:spcAft>
-              <a:buFont typeface="Wingdings" panose="05000000000000000000" pitchFamily="2" charset="2"/>
-              <a:buChar char="v"/>
             </a:pPr>
             <a:r>
-              <a:rPr lang="en-US" sz="1800" dirty="0">
+              <a:rPr lang="en-US" sz="2000" dirty="0">
                 <a:solidFill>
                   <a:srgbClr val="000000"/>
                 </a:solidFill>
                 <a:effectLst/>
-                <a:latin typeface="Arial" panose="020B0604020202020204" pitchFamily="34" charset="0"/>
+                <a:latin typeface="Times New Roman" panose="02020603050405020304" pitchFamily="18" charset="0"/>
                 <a:ea typeface="Arial" panose="020B0604020202020204" pitchFamily="34" charset="0"/>
               </a:rPr>
-              <a:t>Well organized weather forecast for Bangladesh.</a:t>
-            </a:r>
-            <a:endParaRPr lang="en-US" sz="1800" dirty="0">
-              <a:effectLst/>
+              <a:t>First well organized online payroll app for our country.</a:t>
+            </a:r>
+            <a:endParaRPr lang="en-US" sz="2000" dirty="0">
               <a:latin typeface="Times New Roman" panose="02020603050405020304" pitchFamily="18" charset="0"/>
-              <a:ea typeface="Times New Roman" panose="02020603050405020304" pitchFamily="18" charset="0"/>
+              <a:ea typeface="Arial" panose="020B0604020202020204" pitchFamily="34" charset="0"/>
             </a:endParaRPr>
           </a:p>
           <a:p>
-            <a:pPr marR="0" algn="just">
+            <a:pPr marL="0" marR="0" algn="just">
               <a:lnSpc>
                 <a:spcPct val="150000"/>
               </a:lnSpc>
@@ -8885,21 +8726,19 @@
               <a:spcAft>
                 <a:spcPts val="0"/>
               </a:spcAft>
-              <a:buFont typeface="Wingdings" panose="05000000000000000000" pitchFamily="2" charset="2"/>
-              <a:buChar char="v"/>
             </a:pPr>
             <a:r>
-              <a:rPr lang="en-US" sz="1800" dirty="0">
+              <a:rPr lang="en-US" sz="2000" dirty="0">
                 <a:solidFill>
                   <a:srgbClr val="000000"/>
                 </a:solidFill>
                 <a:effectLst/>
-                <a:latin typeface="Arial" panose="020B0604020202020204" pitchFamily="34" charset="0"/>
+                <a:latin typeface="Times New Roman" panose="02020603050405020304" pitchFamily="18" charset="0"/>
                 <a:ea typeface="Arial" panose="020B0604020202020204" pitchFamily="34" charset="0"/>
               </a:rPr>
-              <a:t>No need to check google for weather over and over again.</a:t>
-            </a:r>
-            <a:endParaRPr lang="en-US" sz="1800" dirty="0">
+              <a:t>No need to check employee’s physical activities.</a:t>
+            </a:r>
+            <a:endParaRPr lang="en-US" sz="2000" dirty="0">
               <a:effectLst/>
               <a:latin typeface="Times New Roman" panose="02020603050405020304" pitchFamily="18" charset="0"/>
               <a:ea typeface="Times New Roman" panose="02020603050405020304" pitchFamily="18" charset="0"/>
@@ -8960,7 +8799,7 @@
           <a:lstStyle/>
           <a:p>
             <a:r>
-              <a:rPr lang="en-US" sz="4000" b="1" dirty="0">
+              <a:rPr lang="en-US" sz="3200" b="1" dirty="0">
                 <a:latin typeface="Times New Roman" panose="02020603050405020304" pitchFamily="18" charset="0"/>
                 <a:cs typeface="Times New Roman" panose="02020603050405020304" pitchFamily="18" charset="0"/>
               </a:rPr>
@@ -8981,8 +8820,8 @@
         </p:nvSpPr>
         <p:spPr>
           <a:xfrm>
-            <a:off x="914400" y="1447800"/>
-            <a:ext cx="7315200" cy="5029200"/>
+            <a:off x="685800" y="1981200"/>
+            <a:ext cx="8077200" cy="3733800"/>
           </a:xfrm>
         </p:spPr>
         <p:txBody>
@@ -8991,7 +8830,7 @@
           </a:bodyPr>
           <a:lstStyle/>
           <a:p>
-            <a:pPr marR="0" algn="just">
+            <a:pPr marL="0" marR="0" indent="0" algn="just">
               <a:lnSpc>
                 <a:spcPct val="150000"/>
               </a:lnSpc>
@@ -9001,28 +8840,27 @@
               <a:spcAft>
                 <a:spcPts val="0"/>
               </a:spcAft>
-              <a:buFont typeface="Wingdings" panose="05000000000000000000" pitchFamily="2" charset="2"/>
-              <a:buChar char="v"/>
+              <a:buNone/>
             </a:pPr>
             <a:r>
-              <a:rPr lang="en-US" sz="1800" dirty="0">
+              <a:rPr lang="en-US" sz="2000" dirty="0">
                 <a:solidFill>
                   <a:srgbClr val="000000"/>
                 </a:solidFill>
                 <a:effectLst/>
-                <a:latin typeface="Arial" panose="020B0604020202020204" pitchFamily="34" charset="0"/>
+                <a:latin typeface="Times New Roman" panose="02020603050405020304" pitchFamily="18" charset="0"/>
                 <a:ea typeface="Arial" panose="020B0604020202020204" pitchFamily="34" charset="0"/>
               </a:rPr>
-              <a:t>Helps people prepare if they need to take extra gear to prepare for the weather (i.e., umbrella, rain coat, sun screen).</a:t>
-            </a:r>
-            <a:endParaRPr lang="en-US" sz="1800" dirty="0">
+              <a:t>1. Helps organizations prepare daily employee attendance system</a:t>
+            </a:r>
+            <a:endParaRPr lang="en-US" sz="2000" dirty="0">
               <a:effectLst/>
               <a:latin typeface="Times New Roman" panose="02020603050405020304" pitchFamily="18" charset="0"/>
               <a:ea typeface="Times New Roman" panose="02020603050405020304" pitchFamily="18" charset="0"/>
             </a:endParaRPr>
           </a:p>
           <a:p>
-            <a:pPr marR="0" algn="just">
+            <a:pPr marL="0" marR="0" indent="0" algn="just">
               <a:lnSpc>
                 <a:spcPct val="150000"/>
               </a:lnSpc>
@@ -9032,28 +8870,27 @@
               <a:spcAft>
                 <a:spcPts val="0"/>
               </a:spcAft>
-              <a:buFont typeface="Wingdings" panose="05000000000000000000" pitchFamily="2" charset="2"/>
-              <a:buChar char="v"/>
+              <a:buNone/>
             </a:pPr>
             <a:r>
-              <a:rPr lang="en-US" sz="1800" dirty="0">
+              <a:rPr lang="en-US" sz="2000" dirty="0">
                 <a:solidFill>
                   <a:srgbClr val="000000"/>
                 </a:solidFill>
                 <a:effectLst/>
-                <a:latin typeface="Arial" panose="020B0604020202020204" pitchFamily="34" charset="0"/>
+                <a:latin typeface="Times New Roman" panose="02020603050405020304" pitchFamily="18" charset="0"/>
                 <a:ea typeface="Arial" panose="020B0604020202020204" pitchFamily="34" charset="0"/>
               </a:rPr>
-              <a:t>Helps people plan outdoor activities (i.e., to see if rain/storms/cold weather will impact outdoor event)</a:t>
-            </a:r>
-            <a:endParaRPr lang="en-US" sz="1800" dirty="0">
+              <a:t>2. Monitoring remote working employees in real time</a:t>
+            </a:r>
+            <a:endParaRPr lang="en-US" sz="2000" dirty="0">
               <a:effectLst/>
               <a:latin typeface="Times New Roman" panose="02020603050405020304" pitchFamily="18" charset="0"/>
               <a:ea typeface="Times New Roman" panose="02020603050405020304" pitchFamily="18" charset="0"/>
             </a:endParaRPr>
           </a:p>
           <a:p>
-            <a:pPr marR="0" algn="just">
+            <a:pPr marL="0" marR="0" indent="0" algn="just">
               <a:lnSpc>
                 <a:spcPct val="150000"/>
               </a:lnSpc>
@@ -9063,28 +8900,27 @@
               <a:spcAft>
                 <a:spcPts val="0"/>
               </a:spcAft>
-              <a:buFont typeface="Wingdings" panose="05000000000000000000" pitchFamily="2" charset="2"/>
-              <a:buChar char="v"/>
+              <a:buNone/>
             </a:pPr>
             <a:r>
-              <a:rPr lang="en-US" sz="1800" dirty="0">
+              <a:rPr lang="en-US" sz="2000" dirty="0">
                 <a:solidFill>
                   <a:srgbClr val="000000"/>
                 </a:solidFill>
                 <a:effectLst/>
-                <a:latin typeface="Arial" panose="020B0604020202020204" pitchFamily="34" charset="0"/>
+                <a:latin typeface="Times New Roman" panose="02020603050405020304" pitchFamily="18" charset="0"/>
                 <a:ea typeface="Arial" panose="020B0604020202020204" pitchFamily="34" charset="0"/>
               </a:rPr>
-              <a:t>Helps curious people to know what sort of weather can be expected (i.e., severe storms).</a:t>
-            </a:r>
-            <a:endParaRPr lang="en-US" sz="1800" dirty="0">
+              <a:t>3. Get live employee’s working location through app</a:t>
+            </a:r>
+            <a:endParaRPr lang="en-US" sz="2000" dirty="0">
               <a:effectLst/>
               <a:latin typeface="Times New Roman" panose="02020603050405020304" pitchFamily="18" charset="0"/>
               <a:ea typeface="Times New Roman" panose="02020603050405020304" pitchFamily="18" charset="0"/>
             </a:endParaRPr>
           </a:p>
           <a:p>
-            <a:pPr marR="0" algn="just">
+            <a:pPr marL="0" marR="0" indent="0" algn="just">
               <a:lnSpc>
                 <a:spcPct val="150000"/>
               </a:lnSpc>
@@ -9094,28 +8930,27 @@
               <a:spcAft>
                 <a:spcPts val="0"/>
               </a:spcAft>
-              <a:buFont typeface="Wingdings" panose="05000000000000000000" pitchFamily="2" charset="2"/>
-              <a:buChar char="v"/>
+              <a:buNone/>
             </a:pPr>
             <a:r>
-              <a:rPr lang="en-US" sz="1800" dirty="0">
+              <a:rPr lang="en-US" sz="2000" dirty="0">
                 <a:solidFill>
                   <a:srgbClr val="000000"/>
                 </a:solidFill>
                 <a:effectLst/>
-                <a:latin typeface="Arial" panose="020B0604020202020204" pitchFamily="34" charset="0"/>
+                <a:latin typeface="Times New Roman" panose="02020603050405020304" pitchFamily="18" charset="0"/>
                 <a:ea typeface="Arial" panose="020B0604020202020204" pitchFamily="34" charset="0"/>
               </a:rPr>
-              <a:t>Helps businesses plan for transportation hazards that can result from the weather (i.e., fog, storms, clouds as it relates to driving and flying for example).</a:t>
-            </a:r>
-            <a:endParaRPr lang="en-US" sz="1800" dirty="0">
+              <a:t>4. Calculating daily remuneration for employees according to their work hour</a:t>
+            </a:r>
+            <a:endParaRPr lang="en-US" sz="2000" dirty="0">
               <a:effectLst/>
               <a:latin typeface="Times New Roman" panose="02020603050405020304" pitchFamily="18" charset="0"/>
               <a:ea typeface="Times New Roman" panose="02020603050405020304" pitchFamily="18" charset="0"/>
             </a:endParaRPr>
           </a:p>
           <a:p>
-            <a:pPr marR="0" algn="just">
+            <a:pPr marL="0" marR="0" indent="0" algn="just">
               <a:lnSpc>
                 <a:spcPct val="150000"/>
               </a:lnSpc>
@@ -9125,21 +8960,20 @@
               <a:spcAft>
                 <a:spcPts val="0"/>
               </a:spcAft>
-              <a:buFont typeface="Wingdings" panose="05000000000000000000" pitchFamily="2" charset="2"/>
-              <a:buChar char="v"/>
+              <a:buNone/>
             </a:pPr>
             <a:r>
-              <a:rPr lang="en-US" sz="1800" dirty="0">
+              <a:rPr lang="en-US" sz="2000" dirty="0">
                 <a:solidFill>
                   <a:srgbClr val="000000"/>
                 </a:solidFill>
                 <a:effectLst/>
-                <a:latin typeface="Arial" panose="020B0604020202020204" pitchFamily="34" charset="0"/>
+                <a:latin typeface="Times New Roman" panose="02020603050405020304" pitchFamily="18" charset="0"/>
                 <a:ea typeface="Arial" panose="020B0604020202020204" pitchFamily="34" charset="0"/>
               </a:rPr>
-              <a:t>Helps people with health-related issues to plan the day (i.e., allergies, asthma, heat stress).</a:t>
-            </a:r>
-            <a:endParaRPr lang="en-US" sz="1800" dirty="0">
+              <a:t>5. Controlling employees by admin (Remove employee, online payment)</a:t>
+            </a:r>
+            <a:endParaRPr lang="en-US" sz="2000" dirty="0">
               <a:effectLst/>
               <a:latin typeface="Times New Roman" panose="02020603050405020304" pitchFamily="18" charset="0"/>
               <a:ea typeface="Times New Roman" panose="02020603050405020304" pitchFamily="18" charset="0"/>
@@ -9195,18 +9029,18 @@
         </p:spPr>
         <p:txBody>
           <a:bodyPr>
-            <a:normAutofit fontScale="90000"/>
+            <a:noAutofit/>
           </a:bodyPr>
           <a:lstStyle/>
           <a:p>
             <a:r>
-              <a:rPr lang="en-US" b="1" dirty="0">
+              <a:rPr lang="en-US" sz="3200" b="1" dirty="0">
                 <a:latin typeface="Times New Roman" panose="02020603050405020304" pitchFamily="18" charset="0"/>
                 <a:cs typeface="Times New Roman" panose="02020603050405020304" pitchFamily="18" charset="0"/>
               </a:rPr>
               <a:t>Approach</a:t>
             </a:r>
-            <a:endParaRPr lang="en-US" dirty="0"/>
+            <a:endParaRPr lang="en-US" sz="3200" dirty="0"/>
           </a:p>
         </p:txBody>
       </p:sp>
@@ -9225,7 +9059,7 @@
           <p:nvPr>
             <p:extLst>
               <p:ext uri="{D42A27DB-BD31-4B8C-83A1-F6EECF244321}">
-                <p14:modId xmlns:p14="http://schemas.microsoft.com/office/powerpoint/2010/main" val="3682267020"/>
+                <p14:modId xmlns:p14="http://schemas.microsoft.com/office/powerpoint/2010/main" val="3387401044"/>
               </p:ext>
             </p:extLst>
           </p:nvPr>
@@ -9277,12 +9111,18 @@
                     <a:lstStyle/>
                     <a:p>
                       <a:pPr algn="ctr"/>
-                      <a:endParaRPr lang="en-US" sz="2000" b="1" dirty="0"/>
+                      <a:endParaRPr lang="en-US" sz="1800" b="1" dirty="0">
+                        <a:latin typeface="Times New Roman" panose="02020603050405020304" pitchFamily="18" charset="0"/>
+                        <a:cs typeface="Times New Roman" panose="02020603050405020304" pitchFamily="18" charset="0"/>
+                      </a:endParaRPr>
                     </a:p>
                     <a:p>
                       <a:pPr algn="ctr"/>
                       <a:r>
-                        <a:rPr lang="en-US" sz="2000" b="1" dirty="0"/>
+                        <a:rPr lang="en-US" sz="1800" b="1" dirty="0">
+                          <a:latin typeface="Times New Roman" panose="02020603050405020304" pitchFamily="18" charset="0"/>
+                          <a:cs typeface="Times New Roman" panose="02020603050405020304" pitchFamily="18" charset="0"/>
+                        </a:rPr>
                         <a:t>Platform/Framework</a:t>
                       </a:r>
                     </a:p>
@@ -9295,12 +9135,18 @@
                     <a:lstStyle/>
                     <a:p>
                       <a:pPr algn="ctr"/>
-                      <a:endParaRPr lang="en-US" sz="2000" b="1" dirty="0"/>
+                      <a:endParaRPr lang="en-US" sz="1800" b="1" dirty="0">
+                        <a:latin typeface="Times New Roman" panose="02020603050405020304" pitchFamily="18" charset="0"/>
+                        <a:cs typeface="Times New Roman" panose="02020603050405020304" pitchFamily="18" charset="0"/>
+                      </a:endParaRPr>
                     </a:p>
                     <a:p>
                       <a:pPr algn="ctr"/>
                       <a:r>
-                        <a:rPr lang="en-US" sz="2000" b="1" dirty="0"/>
+                        <a:rPr lang="en-US" sz="1800" b="1" dirty="0">
+                          <a:latin typeface="Times New Roman" panose="02020603050405020304" pitchFamily="18" charset="0"/>
+                          <a:cs typeface="Times New Roman" panose="02020603050405020304" pitchFamily="18" charset="0"/>
+                        </a:rPr>
                         <a:t>Backend</a:t>
                       </a:r>
                     </a:p>
@@ -9313,12 +9159,18 @@
                     <a:lstStyle/>
                     <a:p>
                       <a:pPr algn="ctr"/>
-                      <a:endParaRPr lang="en-US" sz="2000" b="1" dirty="0"/>
+                      <a:endParaRPr lang="en-US" sz="1800" b="1" dirty="0">
+                        <a:latin typeface="Times New Roman" panose="02020603050405020304" pitchFamily="18" charset="0"/>
+                        <a:cs typeface="Times New Roman" panose="02020603050405020304" pitchFamily="18" charset="0"/>
+                      </a:endParaRPr>
                     </a:p>
                     <a:p>
                       <a:pPr algn="ctr"/>
                       <a:r>
-                        <a:rPr lang="en-US" sz="2000" b="1" dirty="0"/>
+                        <a:rPr lang="en-US" sz="1800" b="1" dirty="0">
+                          <a:latin typeface="Times New Roman" panose="02020603050405020304" pitchFamily="18" charset="0"/>
+                          <a:cs typeface="Times New Roman" panose="02020603050405020304" pitchFamily="18" charset="0"/>
+                        </a:rPr>
                         <a:t>GUI</a:t>
                       </a:r>
                     </a:p>
@@ -9331,13 +9183,19 @@
                     <a:lstStyle/>
                     <a:p>
                       <a:pPr algn="ctr"/>
-                      <a:endParaRPr lang="en-US" sz="2000" b="1" dirty="0"/>
+                      <a:endParaRPr lang="en-US" sz="1800" b="1" dirty="0">
+                        <a:latin typeface="Times New Roman" panose="02020603050405020304" pitchFamily="18" charset="0"/>
+                        <a:cs typeface="Times New Roman" panose="02020603050405020304" pitchFamily="18" charset="0"/>
+                      </a:endParaRPr>
                     </a:p>
                     <a:p>
                       <a:pPr algn="ctr"/>
                       <a:r>
-                        <a:rPr lang="en-US" sz="2000" b="1" dirty="0"/>
-                        <a:t>Database/API</a:t>
+                        <a:rPr lang="en-US" sz="1800" b="1" dirty="0">
+                          <a:latin typeface="Times New Roman" panose="02020603050405020304" pitchFamily="18" charset="0"/>
+                          <a:cs typeface="Times New Roman" panose="02020603050405020304" pitchFamily="18" charset="0"/>
+                        </a:rPr>
+                        <a:t>Database</a:t>
                       </a:r>
                     </a:p>
                   </a:txBody>
@@ -9356,12 +9214,18 @@
                     <a:lstStyle/>
                     <a:p>
                       <a:pPr algn="ctr"/>
-                      <a:endParaRPr lang="en-US" dirty="0"/>
+                      <a:endParaRPr lang="en-US" sz="1800" dirty="0">
+                        <a:latin typeface="Times New Roman" panose="02020603050405020304" pitchFamily="18" charset="0"/>
+                        <a:cs typeface="Times New Roman" panose="02020603050405020304" pitchFamily="18" charset="0"/>
+                      </a:endParaRPr>
                     </a:p>
                     <a:p>
                       <a:pPr algn="ctr"/>
                       <a:r>
-                        <a:rPr lang="en-US" dirty="0"/>
+                        <a:rPr lang="en-US" sz="1800" dirty="0">
+                          <a:latin typeface="Times New Roman" panose="02020603050405020304" pitchFamily="18" charset="0"/>
+                          <a:cs typeface="Times New Roman" panose="02020603050405020304" pitchFamily="18" charset="0"/>
+                        </a:rPr>
                         <a:t>Native Android with Android Studio</a:t>
                       </a:r>
                     </a:p>
@@ -9374,12 +9238,18 @@
                     <a:lstStyle/>
                     <a:p>
                       <a:pPr algn="ctr"/>
-                      <a:endParaRPr lang="en-US" dirty="0"/>
+                      <a:endParaRPr lang="en-US" sz="1800" dirty="0">
+                        <a:latin typeface="Times New Roman" panose="02020603050405020304" pitchFamily="18" charset="0"/>
+                        <a:cs typeface="Times New Roman" panose="02020603050405020304" pitchFamily="18" charset="0"/>
+                      </a:endParaRPr>
                     </a:p>
                     <a:p>
                       <a:pPr algn="ctr"/>
                       <a:r>
-                        <a:rPr lang="en-US" dirty="0"/>
+                        <a:rPr lang="en-US" sz="1800" dirty="0">
+                          <a:latin typeface="Times New Roman" panose="02020603050405020304" pitchFamily="18" charset="0"/>
+                          <a:cs typeface="Times New Roman" panose="02020603050405020304" pitchFamily="18" charset="0"/>
+                        </a:rPr>
                         <a:t>Java</a:t>
                       </a:r>
                     </a:p>
@@ -9392,12 +9262,18 @@
                     <a:lstStyle/>
                     <a:p>
                       <a:pPr algn="ctr"/>
-                      <a:endParaRPr lang="en-US" dirty="0"/>
+                      <a:endParaRPr lang="en-US" sz="1800" dirty="0">
+                        <a:latin typeface="Times New Roman" panose="02020603050405020304" pitchFamily="18" charset="0"/>
+                        <a:cs typeface="Times New Roman" panose="02020603050405020304" pitchFamily="18" charset="0"/>
+                      </a:endParaRPr>
                     </a:p>
                     <a:p>
                       <a:pPr algn="ctr"/>
                       <a:r>
-                        <a:rPr lang="en-US" dirty="0"/>
+                        <a:rPr lang="en-US" sz="1800" dirty="0">
+                          <a:latin typeface="Times New Roman" panose="02020603050405020304" pitchFamily="18" charset="0"/>
+                          <a:cs typeface="Times New Roman" panose="02020603050405020304" pitchFamily="18" charset="0"/>
+                        </a:rPr>
                         <a:t>XML</a:t>
                       </a:r>
                     </a:p>
@@ -9410,15 +9286,20 @@
                     <a:lstStyle/>
                     <a:p>
                       <a:pPr algn="ctr"/>
-                      <a:endParaRPr lang="en-US" dirty="0"/>
+                      <a:endParaRPr lang="en-US" sz="1800" dirty="0">
+                        <a:latin typeface="Times New Roman" panose="02020603050405020304" pitchFamily="18" charset="0"/>
+                        <a:cs typeface="Times New Roman" panose="02020603050405020304" pitchFamily="18" charset="0"/>
+                      </a:endParaRPr>
                     </a:p>
                     <a:p>
                       <a:pPr algn="ctr"/>
                       <a:r>
-                        <a:rPr lang="en-US" dirty="0" err="1"/>
-                        <a:t>OpenWeather</a:t>
+                        <a:rPr lang="en-US" sz="1800" dirty="0">
+                          <a:latin typeface="Times New Roman" panose="02020603050405020304" pitchFamily="18" charset="0"/>
+                          <a:cs typeface="Times New Roman" panose="02020603050405020304" pitchFamily="18" charset="0"/>
+                        </a:rPr>
+                        <a:t>Firebase</a:t>
                       </a:r>
-                      <a:endParaRPr lang="en-US" dirty="0"/>
                     </a:p>
                   </a:txBody>
                   <a:tcPr/>
@@ -9543,10 +9424,10 @@
       </p:pic>
       <p:pic>
         <p:nvPicPr>
-          <p:cNvPr id="7" name="Picture 6">
+          <p:cNvPr id="4" name="Picture 3">
             <a:extLst>
               <a:ext uri="{FF2B5EF4-FFF2-40B4-BE49-F238E27FC236}">
-                <a16:creationId xmlns:a16="http://schemas.microsoft.com/office/drawing/2014/main" id="{8499FE66-E21D-46B4-95B8-4844D243C66A}"/>
+                <a16:creationId xmlns:a16="http://schemas.microsoft.com/office/drawing/2014/main" id="{BEFDBF95-3A8F-4F40-A36A-71D6DD5BAE65}"/>
               </a:ext>
             </a:extLst>
           </p:cNvPr>
@@ -9569,8 +9450,8 @@
         </p:blipFill>
         <p:spPr>
           <a:xfrm>
-            <a:off x="6437545" y="4311396"/>
-            <a:ext cx="1831470" cy="781427"/>
+            <a:off x="7063742" y="4323775"/>
+            <a:ext cx="689056" cy="836183"/>
           </a:xfrm>
           <a:prstGeom prst="rect">
             <a:avLst/>
@@ -9644,88 +9525,6 @@
           </a:p>
         </p:txBody>
       </p:sp>
-      <p:pic>
-        <p:nvPicPr>
-          <p:cNvPr id="7" name="Picture 6">
-            <a:extLst>
-              <a:ext uri="{FF2B5EF4-FFF2-40B4-BE49-F238E27FC236}">
-                <a16:creationId xmlns:a16="http://schemas.microsoft.com/office/drawing/2014/main" id="{BB2E11E0-DEB3-4849-A045-DD1269DD17A5}"/>
-              </a:ext>
-            </a:extLst>
-          </p:cNvPr>
-          <p:cNvPicPr>
-            <a:picLocks noChangeAspect="1"/>
-          </p:cNvPicPr>
-          <p:nvPr/>
-        </p:nvPicPr>
-        <p:blipFill>
-          <a:blip r:embed="rId2" cstate="print">
-            <a:extLst>
-              <a:ext uri="{28A0092B-C50C-407E-A947-70E740481C1C}">
-                <a14:useLocalDpi xmlns:a14="http://schemas.microsoft.com/office/drawing/2010/main" val="0"/>
-              </a:ext>
-            </a:extLst>
-          </a:blip>
-          <a:srcRect/>
-          <a:stretch>
-            <a:fillRect/>
-          </a:stretch>
-        </p:blipFill>
-        <p:spPr bwMode="auto">
-          <a:xfrm>
-            <a:off x="1240808" y="789585"/>
-            <a:ext cx="2842863" cy="5508959"/>
-          </a:xfrm>
-          <a:prstGeom prst="rect">
-            <a:avLst/>
-          </a:prstGeom>
-          <a:noFill/>
-          <a:ln>
-            <a:noFill/>
-          </a:ln>
-        </p:spPr>
-      </p:pic>
-      <p:pic>
-        <p:nvPicPr>
-          <p:cNvPr id="10" name="Picture 9">
-            <a:extLst>
-              <a:ext uri="{FF2B5EF4-FFF2-40B4-BE49-F238E27FC236}">
-                <a16:creationId xmlns:a16="http://schemas.microsoft.com/office/drawing/2014/main" id="{B6C23E5C-681C-4745-AC47-745F3A38FC20}"/>
-              </a:ext>
-            </a:extLst>
-          </p:cNvPr>
-          <p:cNvPicPr>
-            <a:picLocks noChangeAspect="1"/>
-          </p:cNvPicPr>
-          <p:nvPr/>
-        </p:nvPicPr>
-        <p:blipFill>
-          <a:blip r:embed="rId3" cstate="print">
-            <a:extLst>
-              <a:ext uri="{28A0092B-C50C-407E-A947-70E740481C1C}">
-                <a14:useLocalDpi xmlns:a14="http://schemas.microsoft.com/office/drawing/2010/main" val="0"/>
-              </a:ext>
-            </a:extLst>
-          </a:blip>
-          <a:srcRect/>
-          <a:stretch>
-            <a:fillRect/>
-          </a:stretch>
-        </p:blipFill>
-        <p:spPr bwMode="auto">
-          <a:xfrm>
-            <a:off x="4908505" y="789585"/>
-            <a:ext cx="2872432" cy="5508959"/>
-          </a:xfrm>
-          <a:prstGeom prst="rect">
-            <a:avLst/>
-          </a:prstGeom>
-          <a:noFill/>
-          <a:ln>
-            <a:noFill/>
-          </a:ln>
-        </p:spPr>
-      </p:pic>
       <p:sp>
         <p:nvSpPr>
           <p:cNvPr id="11" name="Title 1">
@@ -9742,7 +9541,7 @@
         </p:nvSpPr>
         <p:spPr>
           <a:xfrm>
-            <a:off x="1443039" y="6068415"/>
+            <a:off x="1730352" y="5992367"/>
             <a:ext cx="2438400" cy="884238"/>
           </a:xfrm>
           <a:prstGeom prst="rect">
@@ -9776,17 +9575,109 @@
                 <a:latin typeface="Times New Roman" panose="02020603050405020304" pitchFamily="18" charset="0"/>
                 <a:cs typeface="Times New Roman" panose="02020603050405020304" pitchFamily="18" charset="0"/>
               </a:rPr>
-              <a:t>Weather of Dhaka City</a:t>
+              <a:t>Employee Check-in</a:t>
             </a:r>
           </a:p>
         </p:txBody>
       </p:sp>
+      <p:pic>
+        <p:nvPicPr>
+          <p:cNvPr id="8" name="Picture 7">
+            <a:extLst>
+              <a:ext uri="{FF2B5EF4-FFF2-40B4-BE49-F238E27FC236}">
+                <a16:creationId xmlns:a16="http://schemas.microsoft.com/office/drawing/2014/main" id="{ADD1D694-5ABE-42E2-817F-2D541F28C681}"/>
+              </a:ext>
+            </a:extLst>
+          </p:cNvPr>
+          <p:cNvPicPr>
+            <a:picLocks noChangeAspect="1"/>
+          </p:cNvPicPr>
+          <p:nvPr/>
+        </p:nvPicPr>
+        <p:blipFill>
+          <a:blip r:embed="rId2" cstate="print">
+            <a:extLst>
+              <a:ext uri="{28A0092B-C50C-407E-A947-70E740481C1C}">
+                <a14:useLocalDpi xmlns:a14="http://schemas.microsoft.com/office/drawing/2010/main" val="0"/>
+              </a:ext>
+            </a:extLst>
+          </a:blip>
+          <a:stretch>
+            <a:fillRect/>
+          </a:stretch>
+        </p:blipFill>
+        <p:spPr>
+          <a:xfrm>
+            <a:off x="1587583" y="948503"/>
+            <a:ext cx="2438400" cy="5150179"/>
+          </a:xfrm>
+          <a:prstGeom prst="rect">
+            <a:avLst/>
+          </a:prstGeom>
+          <a:ln>
+            <a:noFill/>
+          </a:ln>
+          <a:effectLst>
+            <a:outerShdw blurRad="190500" algn="tl" rotWithShape="0">
+              <a:srgbClr val="000000">
+                <a:alpha val="70000"/>
+              </a:srgbClr>
+            </a:outerShdw>
+          </a:effectLst>
+        </p:spPr>
+      </p:pic>
+      <p:pic>
+        <p:nvPicPr>
+          <p:cNvPr id="9" name="Picture 8">
+            <a:extLst>
+              <a:ext uri="{FF2B5EF4-FFF2-40B4-BE49-F238E27FC236}">
+                <a16:creationId xmlns:a16="http://schemas.microsoft.com/office/drawing/2014/main" id="{ADBEDB8C-C38D-49DA-9E8F-1335E996D694}"/>
+              </a:ext>
+            </a:extLst>
+          </p:cNvPr>
+          <p:cNvPicPr>
+            <a:picLocks noChangeAspect="1"/>
+          </p:cNvPicPr>
+          <p:nvPr/>
+        </p:nvPicPr>
+        <p:blipFill>
+          <a:blip r:embed="rId3" cstate="print">
+            <a:extLst>
+              <a:ext uri="{28A0092B-C50C-407E-A947-70E740481C1C}">
+                <a14:useLocalDpi xmlns:a14="http://schemas.microsoft.com/office/drawing/2010/main" val="0"/>
+              </a:ext>
+            </a:extLst>
+          </a:blip>
+          <a:stretch>
+            <a:fillRect/>
+          </a:stretch>
+        </p:blipFill>
+        <p:spPr>
+          <a:xfrm>
+            <a:off x="4910555" y="948503"/>
+            <a:ext cx="2503093" cy="5150179"/>
+          </a:xfrm>
+          <a:prstGeom prst="rect">
+            <a:avLst/>
+          </a:prstGeom>
+          <a:ln>
+            <a:noFill/>
+          </a:ln>
+          <a:effectLst>
+            <a:outerShdw blurRad="190500" algn="tl" rotWithShape="0">
+              <a:srgbClr val="000000">
+                <a:alpha val="70000"/>
+              </a:srgbClr>
+            </a:outerShdw>
+          </a:effectLst>
+        </p:spPr>
+      </p:pic>
       <p:sp>
         <p:nvSpPr>
-          <p:cNvPr id="12" name="Title 1">
+          <p:cNvPr id="13" name="Title 1">
             <a:extLst>
               <a:ext uri="{FF2B5EF4-FFF2-40B4-BE49-F238E27FC236}">
-                <a16:creationId xmlns:a16="http://schemas.microsoft.com/office/drawing/2014/main" id="{2A4E28A1-880E-4063-8EDD-3A73EC12058C}"/>
+                <a16:creationId xmlns:a16="http://schemas.microsoft.com/office/drawing/2014/main" id="{7AFF9DD9-9BFD-4F7C-AE6C-252D2E5139A5}"/>
               </a:ext>
             </a:extLst>
           </p:cNvPr>
@@ -9797,8 +9688,8 @@
         </p:nvSpPr>
         <p:spPr>
           <a:xfrm>
-            <a:off x="5228444" y="6068415"/>
-            <a:ext cx="2483469" cy="884238"/>
+            <a:off x="5128253" y="5992367"/>
+            <a:ext cx="2438400" cy="884238"/>
           </a:xfrm>
           <a:prstGeom prst="rect">
             <a:avLst/>
@@ -9831,7 +9722,7 @@
                 <a:latin typeface="Times New Roman" panose="02020603050405020304" pitchFamily="18" charset="0"/>
                 <a:cs typeface="Times New Roman" panose="02020603050405020304" pitchFamily="18" charset="0"/>
               </a:rPr>
-              <a:t>Weather of Chittagong</a:t>
+              <a:t>Employee Check-out</a:t>
             </a:r>
           </a:p>
         </p:txBody>
@@ -9923,13 +9814,13 @@
         </p:nvSpPr>
         <p:spPr>
           <a:xfrm>
-            <a:off x="2391545" y="6300229"/>
-            <a:ext cx="4394447" cy="425003"/>
+            <a:off x="1088240" y="5857212"/>
+            <a:ext cx="3107432" cy="609600"/>
           </a:xfrm>
         </p:spPr>
         <p:txBody>
           <a:bodyPr>
-            <a:normAutofit fontScale="92500" lnSpcReduction="10000"/>
+            <a:noAutofit/>
           </a:bodyPr>
           <a:lstStyle/>
           <a:p>
@@ -9937,18 +9828,21 @@
               <a:buNone/>
             </a:pPr>
             <a:r>
-              <a:rPr lang="en-US" sz="2400" dirty="0"/>
-              <a:t>5 Days Forecast with 3 hours Interval</a:t>
+              <a:rPr lang="en-US" sz="1800" dirty="0">
+                <a:latin typeface="Times New Roman" panose="02020603050405020304" pitchFamily="18" charset="0"/>
+                <a:cs typeface="Times New Roman" panose="02020603050405020304" pitchFamily="18" charset="0"/>
+              </a:rPr>
+              <a:t>Inspection by Admin using Employee Geo-Location</a:t>
             </a:r>
           </a:p>
         </p:txBody>
       </p:sp>
       <p:pic>
         <p:nvPicPr>
-          <p:cNvPr id="8" name="Picture 7">
+          <p:cNvPr id="5" name="Picture 4">
             <a:extLst>
               <a:ext uri="{FF2B5EF4-FFF2-40B4-BE49-F238E27FC236}">
-                <a16:creationId xmlns:a16="http://schemas.microsoft.com/office/drawing/2014/main" id="{C201A552-8E8E-4CB4-94FB-C56E5CA7A6C6}"/>
+                <a16:creationId xmlns:a16="http://schemas.microsoft.com/office/drawing/2014/main" id="{CC81C605-5BA3-4C81-B3B6-A2DB29F882F4}"/>
               </a:ext>
             </a:extLst>
           </p:cNvPr>
@@ -9965,25 +9859,255 @@
               </a:ext>
             </a:extLst>
           </a:blip>
-          <a:srcRect/>
           <a:stretch>
             <a:fillRect/>
           </a:stretch>
         </p:blipFill>
-        <p:spPr bwMode="auto">
+        <p:spPr>
           <a:xfrm>
-            <a:off x="2971800" y="771992"/>
-            <a:ext cx="2924721" cy="5544403"/>
+            <a:off x="1473912" y="799010"/>
+            <a:ext cx="2336088" cy="4915990"/>
           </a:xfrm>
           <a:prstGeom prst="rect">
             <a:avLst/>
           </a:prstGeom>
-          <a:noFill/>
           <a:ln>
             <a:noFill/>
           </a:ln>
+          <a:effectLst>
+            <a:outerShdw blurRad="190500" algn="tl" rotWithShape="0">
+              <a:srgbClr val="000000">
+                <a:alpha val="70000"/>
+              </a:srgbClr>
+            </a:outerShdw>
+          </a:effectLst>
         </p:spPr>
       </p:pic>
+      <p:pic>
+        <p:nvPicPr>
+          <p:cNvPr id="6" name="Picture 5">
+            <a:extLst>
+              <a:ext uri="{FF2B5EF4-FFF2-40B4-BE49-F238E27FC236}">
+                <a16:creationId xmlns:a16="http://schemas.microsoft.com/office/drawing/2014/main" id="{1BA4ECEB-6B39-4F7B-BC17-6225ABE082B5}"/>
+              </a:ext>
+            </a:extLst>
+          </p:cNvPr>
+          <p:cNvPicPr>
+            <a:picLocks noChangeAspect="1"/>
+          </p:cNvPicPr>
+          <p:nvPr/>
+        </p:nvPicPr>
+        <p:blipFill>
+          <a:blip r:embed="rId3" cstate="print">
+            <a:extLst>
+              <a:ext uri="{28A0092B-C50C-407E-A947-70E740481C1C}">
+                <a14:useLocalDpi xmlns:a14="http://schemas.microsoft.com/office/drawing/2010/main" val="0"/>
+              </a:ext>
+            </a:extLst>
+          </a:blip>
+          <a:stretch>
+            <a:fillRect/>
+          </a:stretch>
+        </p:blipFill>
+        <p:spPr>
+          <a:xfrm>
+            <a:off x="5029200" y="799010"/>
+            <a:ext cx="2336088" cy="4915989"/>
+          </a:xfrm>
+          <a:prstGeom prst="rect">
+            <a:avLst/>
+          </a:prstGeom>
+          <a:ln>
+            <a:noFill/>
+          </a:ln>
+          <a:effectLst>
+            <a:outerShdw blurRad="190500" algn="tl" rotWithShape="0">
+              <a:srgbClr val="000000">
+                <a:alpha val="70000"/>
+              </a:srgbClr>
+            </a:outerShdw>
+          </a:effectLst>
+        </p:spPr>
+      </p:pic>
+      <p:sp>
+        <p:nvSpPr>
+          <p:cNvPr id="7" name="Content Placeholder 2">
+            <a:extLst>
+              <a:ext uri="{FF2B5EF4-FFF2-40B4-BE49-F238E27FC236}">
+                <a16:creationId xmlns:a16="http://schemas.microsoft.com/office/drawing/2014/main" id="{FD6C3642-CEC5-4B74-89D1-D10620161C92}"/>
+              </a:ext>
+            </a:extLst>
+          </p:cNvPr>
+          <p:cNvSpPr txBox="1">
+            <a:spLocks/>
+          </p:cNvSpPr>
+          <p:nvPr/>
+        </p:nvSpPr>
+        <p:spPr>
+          <a:xfrm>
+            <a:off x="4800600" y="5857212"/>
+            <a:ext cx="3107432" cy="609600"/>
+          </a:xfrm>
+          <a:prstGeom prst="rect">
+            <a:avLst/>
+          </a:prstGeom>
+        </p:spPr>
+        <p:txBody>
+          <a:bodyPr vert="horz" lIns="91440" tIns="45720" rIns="91440" bIns="45720" rtlCol="0">
+            <a:noAutofit/>
+          </a:bodyPr>
+          <a:lstStyle>
+            <a:lvl1pPr marL="342900" indent="-342900" algn="l" defTabSz="914400" rtl="0" eaLnBrk="1" latinLnBrk="0" hangingPunct="1">
+              <a:spcBef>
+                <a:spcPct val="20000"/>
+              </a:spcBef>
+              <a:buFont typeface="Arial" pitchFamily="34" charset="0"/>
+              <a:buChar char="•"/>
+              <a:defRPr sz="3200" kern="1200">
+                <a:solidFill>
+                  <a:schemeClr val="tx1"/>
+                </a:solidFill>
+                <a:latin typeface="+mn-lt"/>
+                <a:ea typeface="+mn-ea"/>
+                <a:cs typeface="+mn-cs"/>
+              </a:defRPr>
+            </a:lvl1pPr>
+            <a:lvl2pPr marL="742950" indent="-285750" algn="l" defTabSz="914400" rtl="0" eaLnBrk="1" latinLnBrk="0" hangingPunct="1">
+              <a:spcBef>
+                <a:spcPct val="20000"/>
+              </a:spcBef>
+              <a:buFont typeface="Arial" pitchFamily="34" charset="0"/>
+              <a:buChar char="–"/>
+              <a:defRPr sz="2800" kern="1200">
+                <a:solidFill>
+                  <a:schemeClr val="tx1"/>
+                </a:solidFill>
+                <a:latin typeface="+mn-lt"/>
+                <a:ea typeface="+mn-ea"/>
+                <a:cs typeface="+mn-cs"/>
+              </a:defRPr>
+            </a:lvl2pPr>
+            <a:lvl3pPr marL="1143000" indent="-228600" algn="l" defTabSz="914400" rtl="0" eaLnBrk="1" latinLnBrk="0" hangingPunct="1">
+              <a:spcBef>
+                <a:spcPct val="20000"/>
+              </a:spcBef>
+              <a:buFont typeface="Arial" pitchFamily="34" charset="0"/>
+              <a:buChar char="•"/>
+              <a:defRPr sz="2400" kern="1200">
+                <a:solidFill>
+                  <a:schemeClr val="tx1"/>
+                </a:solidFill>
+                <a:latin typeface="+mn-lt"/>
+                <a:ea typeface="+mn-ea"/>
+                <a:cs typeface="+mn-cs"/>
+              </a:defRPr>
+            </a:lvl3pPr>
+            <a:lvl4pPr marL="1600200" indent="-228600" algn="l" defTabSz="914400" rtl="0" eaLnBrk="1" latinLnBrk="0" hangingPunct="1">
+              <a:spcBef>
+                <a:spcPct val="20000"/>
+              </a:spcBef>
+              <a:buFont typeface="Arial" pitchFamily="34" charset="0"/>
+              <a:buChar char="–"/>
+              <a:defRPr sz="2000" kern="1200">
+                <a:solidFill>
+                  <a:schemeClr val="tx1"/>
+                </a:solidFill>
+                <a:latin typeface="+mn-lt"/>
+                <a:ea typeface="+mn-ea"/>
+                <a:cs typeface="+mn-cs"/>
+              </a:defRPr>
+            </a:lvl4pPr>
+            <a:lvl5pPr marL="2057400" indent="-228600" algn="l" defTabSz="914400" rtl="0" eaLnBrk="1" latinLnBrk="0" hangingPunct="1">
+              <a:spcBef>
+                <a:spcPct val="20000"/>
+              </a:spcBef>
+              <a:buFont typeface="Arial" pitchFamily="34" charset="0"/>
+              <a:buChar char="»"/>
+              <a:defRPr sz="2000" kern="1200">
+                <a:solidFill>
+                  <a:schemeClr val="tx1"/>
+                </a:solidFill>
+                <a:latin typeface="+mn-lt"/>
+                <a:ea typeface="+mn-ea"/>
+                <a:cs typeface="+mn-cs"/>
+              </a:defRPr>
+            </a:lvl5pPr>
+            <a:lvl6pPr marL="2514600" indent="-228600" algn="l" defTabSz="914400" rtl="0" eaLnBrk="1" latinLnBrk="0" hangingPunct="1">
+              <a:spcBef>
+                <a:spcPct val="20000"/>
+              </a:spcBef>
+              <a:buFont typeface="Arial" pitchFamily="34" charset="0"/>
+              <a:buChar char="•"/>
+              <a:defRPr sz="2000" kern="1200">
+                <a:solidFill>
+                  <a:schemeClr val="tx1"/>
+                </a:solidFill>
+                <a:latin typeface="+mn-lt"/>
+                <a:ea typeface="+mn-ea"/>
+                <a:cs typeface="+mn-cs"/>
+              </a:defRPr>
+            </a:lvl6pPr>
+            <a:lvl7pPr marL="2971800" indent="-228600" algn="l" defTabSz="914400" rtl="0" eaLnBrk="1" latinLnBrk="0" hangingPunct="1">
+              <a:spcBef>
+                <a:spcPct val="20000"/>
+              </a:spcBef>
+              <a:buFont typeface="Arial" pitchFamily="34" charset="0"/>
+              <a:buChar char="•"/>
+              <a:defRPr sz="2000" kern="1200">
+                <a:solidFill>
+                  <a:schemeClr val="tx1"/>
+                </a:solidFill>
+                <a:latin typeface="+mn-lt"/>
+                <a:ea typeface="+mn-ea"/>
+                <a:cs typeface="+mn-cs"/>
+              </a:defRPr>
+            </a:lvl7pPr>
+            <a:lvl8pPr marL="3429000" indent="-228600" algn="l" defTabSz="914400" rtl="0" eaLnBrk="1" latinLnBrk="0" hangingPunct="1">
+              <a:spcBef>
+                <a:spcPct val="20000"/>
+              </a:spcBef>
+              <a:buFont typeface="Arial" pitchFamily="34" charset="0"/>
+              <a:buChar char="•"/>
+              <a:defRPr sz="2000" kern="1200">
+                <a:solidFill>
+                  <a:schemeClr val="tx1"/>
+                </a:solidFill>
+                <a:latin typeface="+mn-lt"/>
+                <a:ea typeface="+mn-ea"/>
+                <a:cs typeface="+mn-cs"/>
+              </a:defRPr>
+            </a:lvl8pPr>
+            <a:lvl9pPr marL="3886200" indent="-228600" algn="l" defTabSz="914400" rtl="0" eaLnBrk="1" latinLnBrk="0" hangingPunct="1">
+              <a:spcBef>
+                <a:spcPct val="20000"/>
+              </a:spcBef>
+              <a:buFont typeface="Arial" pitchFamily="34" charset="0"/>
+              <a:buChar char="•"/>
+              <a:defRPr sz="2000" kern="1200">
+                <a:solidFill>
+                  <a:schemeClr val="tx1"/>
+                </a:solidFill>
+                <a:latin typeface="+mn-lt"/>
+                <a:ea typeface="+mn-ea"/>
+                <a:cs typeface="+mn-cs"/>
+              </a:defRPr>
+            </a:lvl9pPr>
+          </a:lstStyle>
+          <a:p>
+            <a:pPr marL="0" indent="0" algn="just">
+              <a:buFont typeface="Arial" pitchFamily="34" charset="0"/>
+              <a:buNone/>
+            </a:pPr>
+            <a:r>
+              <a:rPr lang="en-US" sz="1800" dirty="0">
+                <a:latin typeface="Times New Roman" panose="02020603050405020304" pitchFamily="18" charset="0"/>
+                <a:cs typeface="Times New Roman" panose="02020603050405020304" pitchFamily="18" charset="0"/>
+              </a:rPr>
+              <a:t>Automated Payroll by Admin</a:t>
+            </a:r>
+          </a:p>
+        </p:txBody>
+      </p:sp>
     </p:spTree>
     <p:extLst>
       <p:ext uri="{BB962C8B-B14F-4D97-AF65-F5344CB8AC3E}">
@@ -10101,6 +10225,105 @@
                       </p:childTnLst>
                     </p:cTn>
                   </p:par>
+                  <p:par>
+                    <p:cTn id="10" fill="hold">
+                      <p:stCondLst>
+                        <p:cond delay="indefinite"/>
+                      </p:stCondLst>
+                      <p:childTnLst>
+                        <p:par>
+                          <p:cTn id="11" fill="hold">
+                            <p:stCondLst>
+                              <p:cond delay="0"/>
+                            </p:stCondLst>
+                            <p:childTnLst>
+                              <p:par>
+                                <p:cTn id="12" presetID="30" presetClass="emph" presetSubtype="0" fill="hold" grpId="0" nodeType="clickEffect">
+                                  <p:stCondLst>
+                                    <p:cond delay="0"/>
+                                  </p:stCondLst>
+                                  <p:childTnLst>
+                                    <p:animClr clrSpc="hsl" dir="cw">
+                                      <p:cBhvr override="childStyle">
+                                        <p:cTn id="13" dur="500" fill="hold"/>
+                                        <p:tgtEl>
+                                          <p:spTgt spid="7">
+                                            <p:txEl>
+                                              <p:pRg st="0" end="0"/>
+                                            </p:txEl>
+                                          </p:spTgt>
+                                        </p:tgtEl>
+                                        <p:attrNameLst>
+                                          <p:attrName>style.color</p:attrName>
+                                        </p:attrNameLst>
+                                      </p:cBhvr>
+                                      <p:by>
+                                        <p:hsl h="0" s="12549" l="25098"/>
+                                      </p:by>
+                                    </p:animClr>
+                                    <p:animClr clrSpc="hsl" dir="cw">
+                                      <p:cBhvr>
+                                        <p:cTn id="14" dur="500" fill="hold"/>
+                                        <p:tgtEl>
+                                          <p:spTgt spid="7">
+                                            <p:txEl>
+                                              <p:pRg st="0" end="0"/>
+                                            </p:txEl>
+                                          </p:spTgt>
+                                        </p:tgtEl>
+                                        <p:attrNameLst>
+                                          <p:attrName>fillcolor</p:attrName>
+                                        </p:attrNameLst>
+                                      </p:cBhvr>
+                                      <p:by>
+                                        <p:hsl h="0" s="12549" l="25098"/>
+                                      </p:by>
+                                    </p:animClr>
+                                    <p:animClr clrSpc="hsl" dir="cw">
+                                      <p:cBhvr>
+                                        <p:cTn id="15" dur="500" fill="hold"/>
+                                        <p:tgtEl>
+                                          <p:spTgt spid="7">
+                                            <p:txEl>
+                                              <p:pRg st="0" end="0"/>
+                                            </p:txEl>
+                                          </p:spTgt>
+                                        </p:tgtEl>
+                                        <p:attrNameLst>
+                                          <p:attrName>stroke.color</p:attrName>
+                                        </p:attrNameLst>
+                                      </p:cBhvr>
+                                      <p:by>
+                                        <p:hsl h="0" s="12549" l="25098"/>
+                                      </p:by>
+                                    </p:animClr>
+                                    <p:set>
+                                      <p:cBhvr>
+                                        <p:cTn id="16" dur="500" fill="hold"/>
+                                        <p:tgtEl>
+                                          <p:spTgt spid="7">
+                                            <p:txEl>
+                                              <p:pRg st="0" end="0"/>
+                                            </p:txEl>
+                                          </p:spTgt>
+                                        </p:tgtEl>
+                                        <p:attrNameLst>
+                                          <p:attrName>fill.type</p:attrName>
+                                        </p:attrNameLst>
+                                      </p:cBhvr>
+                                      <p:to>
+                                        <p:strVal val="solid"/>
+                                      </p:to>
+                                    </p:set>
+                                  </p:childTnLst>
+                                </p:cTn>
+                              </p:par>
+                            </p:childTnLst>
+                          </p:cTn>
+                        </p:par>
+                      </p:childTnLst>
+                    </p:cTn>
+                  </p:par>
                 </p:childTnLst>
               </p:cTn>
               <p:prevCondLst>
@@ -10124,6 +10347,7 @@
     </p:tnLst>
     <p:bldLst>
       <p:bldP spid="4" grpId="0" build="p"/>
+      <p:bldP spid="7" grpId="0" build="p"/>
     </p:bldLst>
   </p:timing>
 </p:sld>
